--- a/ゼロから作るDeepLearning/4章-ニューラルネットワークの学習/発表資料/ゼロから作るdeeplearning第4章.pptx
+++ b/ゼロから作るDeepLearning/4章-ニューラルネットワークの学習/発表資料/ゼロから作るdeeplearning第4章.pptx
@@ -21,13 +21,12 @@
     <p:sldId id="274" r:id="rId15"/>
     <p:sldId id="275" r:id="rId16"/>
     <p:sldId id="276" r:id="rId17"/>
-    <p:sldId id="277" r:id="rId18"/>
-    <p:sldId id="278" r:id="rId19"/>
-    <p:sldId id="279" r:id="rId20"/>
-    <p:sldId id="281" r:id="rId21"/>
-    <p:sldId id="283" r:id="rId22"/>
-    <p:sldId id="284" r:id="rId23"/>
-    <p:sldId id="285" r:id="rId24"/>
+    <p:sldId id="278" r:id="rId18"/>
+    <p:sldId id="279" r:id="rId19"/>
+    <p:sldId id="281" r:id="rId20"/>
+    <p:sldId id="283" r:id="rId21"/>
+    <p:sldId id="284" r:id="rId22"/>
+    <p:sldId id="285" r:id="rId23"/>
   </p:sldIdLst>
   <p:sldSz cx="12192000" cy="6858000"/>
   <p:notesSz cx="6858000" cy="9144000"/>
@@ -157,149 +156,6 @@
 <file path=ppt/changesInfos/changesInfo1.xml><?xml version="1.0" encoding="utf-8"?>
 <pc:chgInfo xmlns:a="http://schemas.openxmlformats.org/drawingml/2006/main" xmlns:r="http://schemas.openxmlformats.org/officeDocument/2006/relationships" xmlns:ac="http://schemas.microsoft.com/office/drawing/2013/main/command" xmlns:pc="http://schemas.microsoft.com/office/powerpoint/2013/main/command">
   <pc:docChgLst>
-    <pc:chgData name="Yamaguchi Masaya" userId="8869a66585b793a1" providerId="LiveId" clId="{B116A8C1-6F4E-4C2B-8F58-333CFF7F1465}"/>
-    <pc:docChg chg="custSel addSld modSld">
-      <pc:chgData name="Yamaguchi Masaya" userId="8869a66585b793a1" providerId="LiveId" clId="{B116A8C1-6F4E-4C2B-8F58-333CFF7F1465}" dt="2020-05-09T17:39:57.939" v="707" actId="1076"/>
-      <pc:docMkLst>
-        <pc:docMk/>
-      </pc:docMkLst>
-      <pc:sldChg chg="addSp delSp modSp mod">
-        <pc:chgData name="Yamaguchi Masaya" userId="8869a66585b793a1" providerId="LiveId" clId="{B116A8C1-6F4E-4C2B-8F58-333CFF7F1465}" dt="2020-05-09T17:31:02.181" v="196" actId="1076"/>
-        <pc:sldMkLst>
-          <pc:docMk/>
-          <pc:sldMk cId="3984015003" sldId="262"/>
-        </pc:sldMkLst>
-        <pc:spChg chg="del">
-          <ac:chgData name="Yamaguchi Masaya" userId="8869a66585b793a1" providerId="LiveId" clId="{B116A8C1-6F4E-4C2B-8F58-333CFF7F1465}" dt="2020-05-09T17:25:48.982" v="0" actId="21"/>
-          <ac:spMkLst>
-            <pc:docMk/>
-            <pc:sldMk cId="3984015003" sldId="262"/>
-            <ac:spMk id="2" creationId="{29752C92-A34E-4D3A-AC5E-DFAC78C4DD4C}"/>
-          </ac:spMkLst>
-        </pc:spChg>
-        <pc:spChg chg="add mod">
-          <ac:chgData name="Yamaguchi Masaya" userId="8869a66585b793a1" providerId="LiveId" clId="{B116A8C1-6F4E-4C2B-8F58-333CFF7F1465}" dt="2020-05-09T17:26:18.115" v="19" actId="1076"/>
-          <ac:spMkLst>
-            <pc:docMk/>
-            <pc:sldMk cId="3984015003" sldId="262"/>
-            <ac:spMk id="3" creationId="{9A2F7DFF-0B78-46EC-9B06-FF96D8F26575}"/>
-          </ac:spMkLst>
-        </pc:spChg>
-        <pc:spChg chg="add mod">
-          <ac:chgData name="Yamaguchi Masaya" userId="8869a66585b793a1" providerId="LiveId" clId="{B116A8C1-6F4E-4C2B-8F58-333CFF7F1465}" dt="2020-05-09T17:29:16.186" v="178" actId="255"/>
-          <ac:spMkLst>
-            <pc:docMk/>
-            <pc:sldMk cId="3984015003" sldId="262"/>
-            <ac:spMk id="4" creationId="{876B50C4-5B76-4E1B-A753-CD0EA0AF5571}"/>
-          </ac:spMkLst>
-        </pc:spChg>
-        <pc:spChg chg="add mod">
-          <ac:chgData name="Yamaguchi Masaya" userId="8869a66585b793a1" providerId="LiveId" clId="{B116A8C1-6F4E-4C2B-8F58-333CFF7F1465}" dt="2020-05-09T17:31:02.181" v="196" actId="1076"/>
-          <ac:spMkLst>
-            <pc:docMk/>
-            <pc:sldMk cId="3984015003" sldId="262"/>
-            <ac:spMk id="7" creationId="{3BDC8C97-7E25-43EE-8E1B-220F5B8D7308}"/>
-          </ac:spMkLst>
-        </pc:spChg>
-        <pc:picChg chg="add mod">
-          <ac:chgData name="Yamaguchi Masaya" userId="8869a66585b793a1" providerId="LiveId" clId="{B116A8C1-6F4E-4C2B-8F58-333CFF7F1465}" dt="2020-05-09T17:29:56.355" v="181" actId="1076"/>
-          <ac:picMkLst>
-            <pc:docMk/>
-            <pc:sldMk cId="3984015003" sldId="262"/>
-            <ac:picMk id="6" creationId="{BC6A1A61-40EF-4C0F-BF4F-6444AA4652DC}"/>
-          </ac:picMkLst>
-        </pc:picChg>
-      </pc:sldChg>
-      <pc:sldChg chg="addSp delSp modSp new mod">
-        <pc:chgData name="Yamaguchi Masaya" userId="8869a66585b793a1" providerId="LiveId" clId="{B116A8C1-6F4E-4C2B-8F58-333CFF7F1465}" dt="2020-05-09T17:39:57.939" v="707" actId="1076"/>
-        <pc:sldMkLst>
-          <pc:docMk/>
-          <pc:sldMk cId="3956484746" sldId="263"/>
-        </pc:sldMkLst>
-        <pc:spChg chg="add mod">
-          <ac:chgData name="Yamaguchi Masaya" userId="8869a66585b793a1" providerId="LiveId" clId="{B116A8C1-6F4E-4C2B-8F58-333CFF7F1465}" dt="2020-05-09T17:32:14.524" v="249"/>
-          <ac:spMkLst>
-            <pc:docMk/>
-            <pc:sldMk cId="3956484746" sldId="263"/>
-            <ac:spMk id="2" creationId="{F5914452-B6C8-470E-838B-4EE313A9E4F8}"/>
-          </ac:spMkLst>
-        </pc:spChg>
-        <pc:spChg chg="add mod">
-          <ac:chgData name="Yamaguchi Masaya" userId="8869a66585b793a1" providerId="LiveId" clId="{B116A8C1-6F4E-4C2B-8F58-333CFF7F1465}" dt="2020-05-09T17:33:22.912" v="332" actId="255"/>
-          <ac:spMkLst>
-            <pc:docMk/>
-            <pc:sldMk cId="3956484746" sldId="263"/>
-            <ac:spMk id="3" creationId="{E0CC438B-4E49-4C75-8600-3E990792FBDE}"/>
-          </ac:spMkLst>
-        </pc:spChg>
-        <pc:spChg chg="add mod">
-          <ac:chgData name="Yamaguchi Masaya" userId="8869a66585b793a1" providerId="LiveId" clId="{B116A8C1-6F4E-4C2B-8F58-333CFF7F1465}" dt="2020-05-09T17:34:42.095" v="420" actId="14100"/>
-          <ac:spMkLst>
-            <pc:docMk/>
-            <pc:sldMk cId="3956484746" sldId="263"/>
-            <ac:spMk id="4" creationId="{D0BC9588-AB62-47BF-917B-F5F16EF85005}"/>
-          </ac:spMkLst>
-        </pc:spChg>
-        <pc:spChg chg="add mod">
-          <ac:chgData name="Yamaguchi Masaya" userId="8869a66585b793a1" providerId="LiveId" clId="{B116A8C1-6F4E-4C2B-8F58-333CFF7F1465}" dt="2020-05-09T17:35:47.502" v="483" actId="20577"/>
-          <ac:spMkLst>
-            <pc:docMk/>
-            <pc:sldMk cId="3956484746" sldId="263"/>
-            <ac:spMk id="5" creationId="{C2D532D0-E5AC-4B5F-9990-056B0B73E3D1}"/>
-          </ac:spMkLst>
-        </pc:spChg>
-        <pc:spChg chg="add mod">
-          <ac:chgData name="Yamaguchi Masaya" userId="8869a66585b793a1" providerId="LiveId" clId="{B116A8C1-6F4E-4C2B-8F58-333CFF7F1465}" dt="2020-05-09T17:38:25.161" v="623" actId="1076"/>
-          <ac:spMkLst>
-            <pc:docMk/>
-            <pc:sldMk cId="3956484746" sldId="263"/>
-            <ac:spMk id="6" creationId="{D59290FA-F1A7-4F7F-B4D9-C10F363D3CDF}"/>
-          </ac:spMkLst>
-        </pc:spChg>
-        <pc:spChg chg="add mod">
-          <ac:chgData name="Yamaguchi Masaya" userId="8869a66585b793a1" providerId="LiveId" clId="{B116A8C1-6F4E-4C2B-8F58-333CFF7F1465}" dt="2020-05-09T17:38:16.737" v="622"/>
-          <ac:spMkLst>
-            <pc:docMk/>
-            <pc:sldMk cId="3956484746" sldId="263"/>
-            <ac:spMk id="7" creationId="{70AAE403-D661-491B-A449-4F7B9CA686C9}"/>
-          </ac:spMkLst>
-        </pc:spChg>
-        <pc:spChg chg="add del mod">
-          <ac:chgData name="Yamaguchi Masaya" userId="8869a66585b793a1" providerId="LiveId" clId="{B116A8C1-6F4E-4C2B-8F58-333CFF7F1465}" dt="2020-05-09T17:35:11.306" v="427" actId="21"/>
-          <ac:spMkLst>
-            <pc:docMk/>
-            <pc:sldMk cId="3956484746" sldId="263"/>
-            <ac:spMk id="8" creationId="{1F46C02D-F3C0-461E-85EA-74160D8C3543}"/>
-          </ac:spMkLst>
-        </pc:spChg>
-        <pc:spChg chg="add del mod">
-          <ac:chgData name="Yamaguchi Masaya" userId="8869a66585b793a1" providerId="LiveId" clId="{B116A8C1-6F4E-4C2B-8F58-333CFF7F1465}" dt="2020-05-09T17:35:01.629" v="424"/>
-          <ac:spMkLst>
-            <pc:docMk/>
-            <pc:sldMk cId="3956484746" sldId="263"/>
-            <ac:spMk id="9" creationId="{75FE1897-D9DD-4956-9F50-2D490A05626E}"/>
-          </ac:spMkLst>
-        </pc:spChg>
-        <pc:spChg chg="add del mod">
-          <ac:chgData name="Yamaguchi Masaya" userId="8869a66585b793a1" providerId="LiveId" clId="{B116A8C1-6F4E-4C2B-8F58-333CFF7F1465}" dt="2020-05-09T17:35:09.186" v="426" actId="21"/>
-          <ac:spMkLst>
-            <pc:docMk/>
-            <pc:sldMk cId="3956484746" sldId="263"/>
-            <ac:spMk id="10" creationId="{3DED3382-6D0A-4EDA-9A8F-14DAE5D2EED6}"/>
-          </ac:spMkLst>
-        </pc:spChg>
-        <pc:spChg chg="add mod">
-          <ac:chgData name="Yamaguchi Masaya" userId="8869a66585b793a1" providerId="LiveId" clId="{B116A8C1-6F4E-4C2B-8F58-333CFF7F1465}" dt="2020-05-09T17:39:57.939" v="707" actId="1076"/>
-          <ac:spMkLst>
-            <pc:docMk/>
-            <pc:sldMk cId="3956484746" sldId="263"/>
-            <ac:spMk id="11" creationId="{4A297E3B-3F9C-48B5-A3D6-97F580BDD2B6}"/>
-          </ac:spMkLst>
-        </pc:spChg>
-      </pc:sldChg>
-    </pc:docChg>
-  </pc:docChgLst>
-  <pc:docChgLst>
     <pc:chgData name="Masaya Yamaguchi" userId="8869a66585b793a1" providerId="LiveId" clId="{732765D5-89B6-40D8-B298-D6C45D735268}"/>
     <pc:docChg chg="undo custSel addSld delSld modSld">
       <pc:chgData name="Masaya Yamaguchi" userId="8869a66585b793a1" providerId="LiveId" clId="{732765D5-89B6-40D8-B298-D6C45D735268}" dt="2020-07-14T16:55:33.308" v="5599" actId="1076"/>
@@ -2222,6 +2078,149 @@
             <pc:docMk/>
             <pc:sldMk cId="1438932204" sldId="285"/>
             <ac:spMk id="8" creationId="{15081B89-53B4-4405-804C-5569B8BC85D1}"/>
+          </ac:spMkLst>
+        </pc:spChg>
+      </pc:sldChg>
+    </pc:docChg>
+  </pc:docChgLst>
+  <pc:docChgLst>
+    <pc:chgData name="Yamaguchi Masaya" userId="8869a66585b793a1" providerId="LiveId" clId="{B116A8C1-6F4E-4C2B-8F58-333CFF7F1465}"/>
+    <pc:docChg chg="custSel addSld modSld">
+      <pc:chgData name="Yamaguchi Masaya" userId="8869a66585b793a1" providerId="LiveId" clId="{B116A8C1-6F4E-4C2B-8F58-333CFF7F1465}" dt="2020-05-09T17:39:57.939" v="707" actId="1076"/>
+      <pc:docMkLst>
+        <pc:docMk/>
+      </pc:docMkLst>
+      <pc:sldChg chg="addSp delSp modSp mod">
+        <pc:chgData name="Yamaguchi Masaya" userId="8869a66585b793a1" providerId="LiveId" clId="{B116A8C1-6F4E-4C2B-8F58-333CFF7F1465}" dt="2020-05-09T17:31:02.181" v="196" actId="1076"/>
+        <pc:sldMkLst>
+          <pc:docMk/>
+          <pc:sldMk cId="3984015003" sldId="262"/>
+        </pc:sldMkLst>
+        <pc:spChg chg="del">
+          <ac:chgData name="Yamaguchi Masaya" userId="8869a66585b793a1" providerId="LiveId" clId="{B116A8C1-6F4E-4C2B-8F58-333CFF7F1465}" dt="2020-05-09T17:25:48.982" v="0" actId="21"/>
+          <ac:spMkLst>
+            <pc:docMk/>
+            <pc:sldMk cId="3984015003" sldId="262"/>
+            <ac:spMk id="2" creationId="{29752C92-A34E-4D3A-AC5E-DFAC78C4DD4C}"/>
+          </ac:spMkLst>
+        </pc:spChg>
+        <pc:spChg chg="add mod">
+          <ac:chgData name="Yamaguchi Masaya" userId="8869a66585b793a1" providerId="LiveId" clId="{B116A8C1-6F4E-4C2B-8F58-333CFF7F1465}" dt="2020-05-09T17:26:18.115" v="19" actId="1076"/>
+          <ac:spMkLst>
+            <pc:docMk/>
+            <pc:sldMk cId="3984015003" sldId="262"/>
+            <ac:spMk id="3" creationId="{9A2F7DFF-0B78-46EC-9B06-FF96D8F26575}"/>
+          </ac:spMkLst>
+        </pc:spChg>
+        <pc:spChg chg="add mod">
+          <ac:chgData name="Yamaguchi Masaya" userId="8869a66585b793a1" providerId="LiveId" clId="{B116A8C1-6F4E-4C2B-8F58-333CFF7F1465}" dt="2020-05-09T17:29:16.186" v="178" actId="255"/>
+          <ac:spMkLst>
+            <pc:docMk/>
+            <pc:sldMk cId="3984015003" sldId="262"/>
+            <ac:spMk id="4" creationId="{876B50C4-5B76-4E1B-A753-CD0EA0AF5571}"/>
+          </ac:spMkLst>
+        </pc:spChg>
+        <pc:spChg chg="add mod">
+          <ac:chgData name="Yamaguchi Masaya" userId="8869a66585b793a1" providerId="LiveId" clId="{B116A8C1-6F4E-4C2B-8F58-333CFF7F1465}" dt="2020-05-09T17:31:02.181" v="196" actId="1076"/>
+          <ac:spMkLst>
+            <pc:docMk/>
+            <pc:sldMk cId="3984015003" sldId="262"/>
+            <ac:spMk id="7" creationId="{3BDC8C97-7E25-43EE-8E1B-220F5B8D7308}"/>
+          </ac:spMkLst>
+        </pc:spChg>
+        <pc:picChg chg="add mod">
+          <ac:chgData name="Yamaguchi Masaya" userId="8869a66585b793a1" providerId="LiveId" clId="{B116A8C1-6F4E-4C2B-8F58-333CFF7F1465}" dt="2020-05-09T17:29:56.355" v="181" actId="1076"/>
+          <ac:picMkLst>
+            <pc:docMk/>
+            <pc:sldMk cId="3984015003" sldId="262"/>
+            <ac:picMk id="6" creationId="{BC6A1A61-40EF-4C0F-BF4F-6444AA4652DC}"/>
+          </ac:picMkLst>
+        </pc:picChg>
+      </pc:sldChg>
+      <pc:sldChg chg="addSp delSp modSp new mod">
+        <pc:chgData name="Yamaguchi Masaya" userId="8869a66585b793a1" providerId="LiveId" clId="{B116A8C1-6F4E-4C2B-8F58-333CFF7F1465}" dt="2020-05-09T17:39:57.939" v="707" actId="1076"/>
+        <pc:sldMkLst>
+          <pc:docMk/>
+          <pc:sldMk cId="3956484746" sldId="263"/>
+        </pc:sldMkLst>
+        <pc:spChg chg="add mod">
+          <ac:chgData name="Yamaguchi Masaya" userId="8869a66585b793a1" providerId="LiveId" clId="{B116A8C1-6F4E-4C2B-8F58-333CFF7F1465}" dt="2020-05-09T17:32:14.524" v="249"/>
+          <ac:spMkLst>
+            <pc:docMk/>
+            <pc:sldMk cId="3956484746" sldId="263"/>
+            <ac:spMk id="2" creationId="{F5914452-B6C8-470E-838B-4EE313A9E4F8}"/>
+          </ac:spMkLst>
+        </pc:spChg>
+        <pc:spChg chg="add mod">
+          <ac:chgData name="Yamaguchi Masaya" userId="8869a66585b793a1" providerId="LiveId" clId="{B116A8C1-6F4E-4C2B-8F58-333CFF7F1465}" dt="2020-05-09T17:33:22.912" v="332" actId="255"/>
+          <ac:spMkLst>
+            <pc:docMk/>
+            <pc:sldMk cId="3956484746" sldId="263"/>
+            <ac:spMk id="3" creationId="{E0CC438B-4E49-4C75-8600-3E990792FBDE}"/>
+          </ac:spMkLst>
+        </pc:spChg>
+        <pc:spChg chg="add mod">
+          <ac:chgData name="Yamaguchi Masaya" userId="8869a66585b793a1" providerId="LiveId" clId="{B116A8C1-6F4E-4C2B-8F58-333CFF7F1465}" dt="2020-05-09T17:34:42.095" v="420" actId="14100"/>
+          <ac:spMkLst>
+            <pc:docMk/>
+            <pc:sldMk cId="3956484746" sldId="263"/>
+            <ac:spMk id="4" creationId="{D0BC9588-AB62-47BF-917B-F5F16EF85005}"/>
+          </ac:spMkLst>
+        </pc:spChg>
+        <pc:spChg chg="add mod">
+          <ac:chgData name="Yamaguchi Masaya" userId="8869a66585b793a1" providerId="LiveId" clId="{B116A8C1-6F4E-4C2B-8F58-333CFF7F1465}" dt="2020-05-09T17:35:47.502" v="483" actId="20577"/>
+          <ac:spMkLst>
+            <pc:docMk/>
+            <pc:sldMk cId="3956484746" sldId="263"/>
+            <ac:spMk id="5" creationId="{C2D532D0-E5AC-4B5F-9990-056B0B73E3D1}"/>
+          </ac:spMkLst>
+        </pc:spChg>
+        <pc:spChg chg="add mod">
+          <ac:chgData name="Yamaguchi Masaya" userId="8869a66585b793a1" providerId="LiveId" clId="{B116A8C1-6F4E-4C2B-8F58-333CFF7F1465}" dt="2020-05-09T17:38:25.161" v="623" actId="1076"/>
+          <ac:spMkLst>
+            <pc:docMk/>
+            <pc:sldMk cId="3956484746" sldId="263"/>
+            <ac:spMk id="6" creationId="{D59290FA-F1A7-4F7F-B4D9-C10F363D3CDF}"/>
+          </ac:spMkLst>
+        </pc:spChg>
+        <pc:spChg chg="add mod">
+          <ac:chgData name="Yamaguchi Masaya" userId="8869a66585b793a1" providerId="LiveId" clId="{B116A8C1-6F4E-4C2B-8F58-333CFF7F1465}" dt="2020-05-09T17:38:16.737" v="622"/>
+          <ac:spMkLst>
+            <pc:docMk/>
+            <pc:sldMk cId="3956484746" sldId="263"/>
+            <ac:spMk id="7" creationId="{70AAE403-D661-491B-A449-4F7B9CA686C9}"/>
+          </ac:spMkLst>
+        </pc:spChg>
+        <pc:spChg chg="add del mod">
+          <ac:chgData name="Yamaguchi Masaya" userId="8869a66585b793a1" providerId="LiveId" clId="{B116A8C1-6F4E-4C2B-8F58-333CFF7F1465}" dt="2020-05-09T17:35:11.306" v="427" actId="21"/>
+          <ac:spMkLst>
+            <pc:docMk/>
+            <pc:sldMk cId="3956484746" sldId="263"/>
+            <ac:spMk id="8" creationId="{1F46C02D-F3C0-461E-85EA-74160D8C3543}"/>
+          </ac:spMkLst>
+        </pc:spChg>
+        <pc:spChg chg="add del mod">
+          <ac:chgData name="Yamaguchi Masaya" userId="8869a66585b793a1" providerId="LiveId" clId="{B116A8C1-6F4E-4C2B-8F58-333CFF7F1465}" dt="2020-05-09T17:35:01.629" v="424"/>
+          <ac:spMkLst>
+            <pc:docMk/>
+            <pc:sldMk cId="3956484746" sldId="263"/>
+            <ac:spMk id="9" creationId="{75FE1897-D9DD-4956-9F50-2D490A05626E}"/>
+          </ac:spMkLst>
+        </pc:spChg>
+        <pc:spChg chg="add del mod">
+          <ac:chgData name="Yamaguchi Masaya" userId="8869a66585b793a1" providerId="LiveId" clId="{B116A8C1-6F4E-4C2B-8F58-333CFF7F1465}" dt="2020-05-09T17:35:09.186" v="426" actId="21"/>
+          <ac:spMkLst>
+            <pc:docMk/>
+            <pc:sldMk cId="3956484746" sldId="263"/>
+            <ac:spMk id="10" creationId="{3DED3382-6D0A-4EDA-9A8F-14DAE5D2EED6}"/>
+          </ac:spMkLst>
+        </pc:spChg>
+        <pc:spChg chg="add mod">
+          <ac:chgData name="Yamaguchi Masaya" userId="8869a66585b793a1" providerId="LiveId" clId="{B116A8C1-6F4E-4C2B-8F58-333CFF7F1465}" dt="2020-05-09T17:39:57.939" v="707" actId="1076"/>
+          <ac:spMkLst>
+            <pc:docMk/>
+            <pc:sldMk cId="3956484746" sldId="263"/>
+            <ac:spMk id="11" creationId="{4A297E3B-3F9C-48B5-A3D6-97F580BDD2B6}"/>
           </ac:spMkLst>
         </pc:spChg>
       </pc:sldChg>
@@ -2377,7 +2376,7 @@
           <a:p>
             <a:fld id="{6F410624-7C5E-4564-8988-5D4DC79A743A}" type="datetimeFigureOut">
               <a:rPr kumimoji="1" lang="ja-JP" altLang="en-US" smtClean="0"/>
-              <a:t>2020/7/14</a:t>
+              <a:t>2020/7/15</a:t>
             </a:fld>
             <a:endParaRPr kumimoji="1" lang="ja-JP" altLang="en-US"/>
           </a:p>
@@ -2607,7 +2606,7 @@
           <a:p>
             <a:fld id="{6F410624-7C5E-4564-8988-5D4DC79A743A}" type="datetimeFigureOut">
               <a:rPr kumimoji="1" lang="ja-JP" altLang="en-US" smtClean="0"/>
-              <a:t>2020/7/14</a:t>
+              <a:t>2020/7/15</a:t>
             </a:fld>
             <a:endParaRPr kumimoji="1" lang="ja-JP" altLang="en-US"/>
           </a:p>
@@ -2847,7 +2846,7 @@
           <a:p>
             <a:fld id="{6F410624-7C5E-4564-8988-5D4DC79A743A}" type="datetimeFigureOut">
               <a:rPr kumimoji="1" lang="ja-JP" altLang="en-US" smtClean="0"/>
-              <a:t>2020/7/14</a:t>
+              <a:t>2020/7/15</a:t>
             </a:fld>
             <a:endParaRPr kumimoji="1" lang="ja-JP" altLang="en-US"/>
           </a:p>
@@ -3077,7 +3076,7 @@
           <a:p>
             <a:fld id="{6F410624-7C5E-4564-8988-5D4DC79A743A}" type="datetimeFigureOut">
               <a:rPr kumimoji="1" lang="ja-JP" altLang="en-US" smtClean="0"/>
-              <a:t>2020/7/14</a:t>
+              <a:t>2020/7/15</a:t>
             </a:fld>
             <a:endParaRPr kumimoji="1" lang="ja-JP" altLang="en-US"/>
           </a:p>
@@ -3352,7 +3351,7 @@
           <a:p>
             <a:fld id="{6F410624-7C5E-4564-8988-5D4DC79A743A}" type="datetimeFigureOut">
               <a:rPr kumimoji="1" lang="ja-JP" altLang="en-US" smtClean="0"/>
-              <a:t>2020/7/14</a:t>
+              <a:t>2020/7/15</a:t>
             </a:fld>
             <a:endParaRPr kumimoji="1" lang="ja-JP" altLang="en-US"/>
           </a:p>
@@ -3681,7 +3680,7 @@
           <a:p>
             <a:fld id="{6F410624-7C5E-4564-8988-5D4DC79A743A}" type="datetimeFigureOut">
               <a:rPr kumimoji="1" lang="ja-JP" altLang="en-US" smtClean="0"/>
-              <a:t>2020/7/14</a:t>
+              <a:t>2020/7/15</a:t>
             </a:fld>
             <a:endParaRPr kumimoji="1" lang="ja-JP" altLang="en-US"/>
           </a:p>
@@ -4157,7 +4156,7 @@
           <a:p>
             <a:fld id="{6F410624-7C5E-4564-8988-5D4DC79A743A}" type="datetimeFigureOut">
               <a:rPr kumimoji="1" lang="ja-JP" altLang="en-US" smtClean="0"/>
-              <a:t>2020/7/14</a:t>
+              <a:t>2020/7/15</a:t>
             </a:fld>
             <a:endParaRPr kumimoji="1" lang="ja-JP" altLang="en-US"/>
           </a:p>
@@ -4298,7 +4297,7 @@
           <a:p>
             <a:fld id="{6F410624-7C5E-4564-8988-5D4DC79A743A}" type="datetimeFigureOut">
               <a:rPr kumimoji="1" lang="ja-JP" altLang="en-US" smtClean="0"/>
-              <a:t>2020/7/14</a:t>
+              <a:t>2020/7/15</a:t>
             </a:fld>
             <a:endParaRPr kumimoji="1" lang="ja-JP" altLang="en-US"/>
           </a:p>
@@ -4411,7 +4410,7 @@
           <a:p>
             <a:fld id="{6F410624-7C5E-4564-8988-5D4DC79A743A}" type="datetimeFigureOut">
               <a:rPr kumimoji="1" lang="ja-JP" altLang="en-US" smtClean="0"/>
-              <a:t>2020/7/14</a:t>
+              <a:t>2020/7/15</a:t>
             </a:fld>
             <a:endParaRPr kumimoji="1" lang="ja-JP" altLang="en-US"/>
           </a:p>
@@ -4754,7 +4753,7 @@
           <a:p>
             <a:fld id="{6F410624-7C5E-4564-8988-5D4DC79A743A}" type="datetimeFigureOut">
               <a:rPr kumimoji="1" lang="ja-JP" altLang="en-US" smtClean="0"/>
-              <a:t>2020/7/14</a:t>
+              <a:t>2020/7/15</a:t>
             </a:fld>
             <a:endParaRPr kumimoji="1" lang="ja-JP" altLang="en-US"/>
           </a:p>
@@ -5042,7 +5041,7 @@
           <a:p>
             <a:fld id="{6F410624-7C5E-4564-8988-5D4DC79A743A}" type="datetimeFigureOut">
               <a:rPr kumimoji="1" lang="ja-JP" altLang="en-US" smtClean="0"/>
-              <a:t>2020/7/14</a:t>
+              <a:t>2020/7/15</a:t>
             </a:fld>
             <a:endParaRPr kumimoji="1" lang="ja-JP" altLang="en-US"/>
           </a:p>
@@ -5315,7 +5314,7 @@
           <a:p>
             <a:fld id="{6F410624-7C5E-4564-8988-5D4DC79A743A}" type="datetimeFigureOut">
               <a:rPr kumimoji="1" lang="ja-JP" altLang="en-US" smtClean="0"/>
-              <a:t>2020/7/14</a:t>
+              <a:t>2020/7/15</a:t>
             </a:fld>
             <a:endParaRPr kumimoji="1" lang="ja-JP" altLang="en-US"/>
           </a:p>
@@ -6027,8 +6026,8 @@
           </a:p>
         </p:txBody>
       </p:sp>
-      <mc:AlternateContent xmlns:mc="http://schemas.openxmlformats.org/markup-compatibility/2006">
-        <mc:Choice xmlns:a14="http://schemas.microsoft.com/office/drawing/2010/main" Requires="a14">
+      <mc:AlternateContent xmlns:mc="http://schemas.openxmlformats.org/markup-compatibility/2006" xmlns:a14="http://schemas.microsoft.com/office/drawing/2010/main">
+        <mc:Choice Requires="a14">
           <p:sp>
             <p:nvSpPr>
               <p:cNvPr id="9" name="テキスト ボックス 8">
@@ -6196,7 +6195,7 @@
             </p:txBody>
           </p:sp>
         </mc:Choice>
-        <mc:Fallback>
+        <mc:Fallback xmlns="">
           <p:sp>
             <p:nvSpPr>
               <p:cNvPr id="9" name="テキスト ボックス 8">
@@ -7043,8 +7042,8 @@
           </a:p>
         </p:txBody>
       </p:sp>
-      <mc:AlternateContent xmlns:mc="http://schemas.openxmlformats.org/markup-compatibility/2006">
-        <mc:Choice xmlns:a14="http://schemas.microsoft.com/office/drawing/2010/main" Requires="a14">
+      <mc:AlternateContent xmlns:mc="http://schemas.openxmlformats.org/markup-compatibility/2006" xmlns:a14="http://schemas.microsoft.com/office/drawing/2010/main">
+        <mc:Choice Requires="a14">
           <p:sp>
             <p:nvSpPr>
               <p:cNvPr id="7" name="テキスト ボックス 6">
@@ -7101,7 +7100,7 @@
             </p:txBody>
           </p:sp>
         </mc:Choice>
-        <mc:Fallback>
+        <mc:Fallback xmlns="">
           <p:sp>
             <p:nvSpPr>
               <p:cNvPr id="7" name="テキスト ボックス 6">
@@ -8410,8 +8409,8 @@
           </a:prstGeom>
         </p:spPr>
       </p:pic>
-      <mc:AlternateContent xmlns:mc="http://schemas.openxmlformats.org/markup-compatibility/2006">
-        <mc:Choice xmlns:a14="http://schemas.microsoft.com/office/drawing/2010/main" Requires="a14">
+      <mc:AlternateContent xmlns:mc="http://schemas.openxmlformats.org/markup-compatibility/2006" xmlns:a14="http://schemas.microsoft.com/office/drawing/2010/main">
+        <mc:Choice Requires="a14">
           <p:sp>
             <p:nvSpPr>
               <p:cNvPr id="15" name="テキスト ボックス 14">
@@ -8497,7 +8496,7 @@
             </p:txBody>
           </p:sp>
         </mc:Choice>
-        <mc:Fallback>
+        <mc:Fallback xmlns="">
           <p:sp>
             <p:nvSpPr>
               <p:cNvPr id="15" name="テキスト ボックス 14">
@@ -9077,7 +9076,7 @@
     </p:spTree>
     <p:extLst>
       <p:ext uri="{BB962C8B-B14F-4D97-AF65-F5344CB8AC3E}">
-        <p14:creationId xmlns:p14="http://schemas.microsoft.com/office/powerpoint/2010/main" val="4080680213"/>
+        <p14:creationId xmlns:p14="http://schemas.microsoft.com/office/powerpoint/2010/main" val="2162166368"/>
       </p:ext>
     </p:extLst>
   </p:cSld>
@@ -9088,413 +9087,6 @@
 </file>
 
 <file path=ppt/slides/slide18.xml><?xml version="1.0" encoding="utf-8"?>
-<p:sld xmlns:a="http://schemas.openxmlformats.org/drawingml/2006/main" xmlns:r="http://schemas.openxmlformats.org/officeDocument/2006/relationships" xmlns:p="http://schemas.openxmlformats.org/presentationml/2006/main">
-  <p:cSld>
-    <p:spTree>
-      <p:nvGrpSpPr>
-        <p:cNvPr id="1" name=""/>
-        <p:cNvGrpSpPr/>
-        <p:nvPr/>
-      </p:nvGrpSpPr>
-      <p:grpSpPr>
-        <a:xfrm>
-          <a:off x="0" y="0"/>
-          <a:ext cx="0" cy="0"/>
-          <a:chOff x="0" y="0"/>
-          <a:chExt cx="0" cy="0"/>
-        </a:xfrm>
-      </p:grpSpPr>
-      <p:sp>
-        <p:nvSpPr>
-          <p:cNvPr id="2" name="正方形/長方形 1">
-            <a:extLst>
-              <a:ext uri="{FF2B5EF4-FFF2-40B4-BE49-F238E27FC236}">
-                <a16:creationId xmlns:a16="http://schemas.microsoft.com/office/drawing/2014/main" id="{3892CBB6-EC9D-402D-91F4-C7BEF8FAB889}"/>
-              </a:ext>
-            </a:extLst>
-          </p:cNvPr>
-          <p:cNvSpPr/>
-          <p:nvPr/>
-        </p:nvSpPr>
-        <p:spPr>
-          <a:xfrm>
-            <a:off x="2632228" y="452762"/>
-            <a:ext cx="6927543" cy="896645"/>
-          </a:xfrm>
-          <a:prstGeom prst="rect">
-            <a:avLst/>
-          </a:prstGeom>
-          <a:solidFill>
-            <a:schemeClr val="accent1"/>
-          </a:solidFill>
-          <a:ln>
-            <a:noFill/>
-          </a:ln>
-        </p:spPr>
-        <p:style>
-          <a:lnRef idx="2">
-            <a:schemeClr val="accent1">
-              <a:shade val="50000"/>
-            </a:schemeClr>
-          </a:lnRef>
-          <a:fillRef idx="1">
-            <a:schemeClr val="accent1"/>
-          </a:fillRef>
-          <a:effectRef idx="0">
-            <a:schemeClr val="accent1"/>
-          </a:effectRef>
-          <a:fontRef idx="minor">
-            <a:schemeClr val="lt1"/>
-          </a:fontRef>
-        </p:style>
-        <p:txBody>
-          <a:bodyPr rtlCol="0" anchor="ctr"/>
-          <a:lstStyle/>
-          <a:p>
-            <a:pPr algn="ctr"/>
-            <a:r>
-              <a:rPr lang="ja-JP" altLang="en-US" sz="3200" dirty="0"/>
-              <a:t>勾配法</a:t>
-            </a:r>
-            <a:endParaRPr lang="en-US" altLang="ja-JP" sz="3200" dirty="0"/>
-          </a:p>
-        </p:txBody>
-      </p:sp>
-      <p:sp>
-        <p:nvSpPr>
-          <p:cNvPr id="4" name="テキスト ボックス 3">
-            <a:extLst>
-              <a:ext uri="{FF2B5EF4-FFF2-40B4-BE49-F238E27FC236}">
-                <a16:creationId xmlns:a16="http://schemas.microsoft.com/office/drawing/2014/main" id="{A8CE69BF-0310-4F6C-9693-50B3B7E8C978}"/>
-              </a:ext>
-            </a:extLst>
-          </p:cNvPr>
-          <p:cNvSpPr txBox="1"/>
-          <p:nvPr/>
-        </p:nvSpPr>
-        <p:spPr>
-          <a:xfrm>
-            <a:off x="743689" y="1356190"/>
-            <a:ext cx="7191375" cy="523220"/>
-          </a:xfrm>
-          <a:prstGeom prst="rect">
-            <a:avLst/>
-          </a:prstGeom>
-          <a:noFill/>
-        </p:spPr>
-        <p:txBody>
-          <a:bodyPr wrap="square" rtlCol="0">
-            <a:spAutoFit/>
-          </a:bodyPr>
-          <a:lstStyle/>
-          <a:p>
-            <a:pPr>
-              <a:spcAft>
-                <a:spcPts val="1000"/>
-              </a:spcAft>
-            </a:pPr>
-            <a:r>
-              <a:rPr lang="ja-JP" altLang="en-US" sz="2800" dirty="0"/>
-              <a:t>勾配法</a:t>
-            </a:r>
-            <a:endParaRPr lang="en-US" altLang="ja-JP" sz="2800" dirty="0"/>
-          </a:p>
-        </p:txBody>
-      </p:sp>
-      <p:pic>
-        <p:nvPicPr>
-          <p:cNvPr id="5" name="図 4">
-            <a:extLst>
-              <a:ext uri="{FF2B5EF4-FFF2-40B4-BE49-F238E27FC236}">
-                <a16:creationId xmlns:a16="http://schemas.microsoft.com/office/drawing/2014/main" id="{06A6C466-71B7-472A-A7F0-743CF4A959B8}"/>
-              </a:ext>
-            </a:extLst>
-          </p:cNvPr>
-          <p:cNvPicPr>
-            <a:picLocks noChangeAspect="1"/>
-          </p:cNvPicPr>
-          <p:nvPr/>
-        </p:nvPicPr>
-        <p:blipFill>
-          <a:blip r:embed="rId3">
-            <a:extLst>
-              <a:ext uri="{28A0092B-C50C-407E-A947-70E740481C1C}">
-                <a14:useLocalDpi xmlns:a14="http://schemas.microsoft.com/office/drawing/2010/main" val="0"/>
-              </a:ext>
-            </a:extLst>
-          </a:blip>
-          <a:stretch>
-            <a:fillRect/>
-          </a:stretch>
-        </p:blipFill>
-        <p:spPr>
-          <a:xfrm>
-            <a:off x="6205481" y="4263626"/>
-            <a:ext cx="3459165" cy="2594374"/>
-          </a:xfrm>
-          <a:prstGeom prst="rect">
-            <a:avLst/>
-          </a:prstGeom>
-        </p:spPr>
-      </p:pic>
-      <p:grpSp>
-        <p:nvGrpSpPr>
-          <p:cNvPr id="26" name="グループ化 25">
-            <a:extLst>
-              <a:ext uri="{FF2B5EF4-FFF2-40B4-BE49-F238E27FC236}">
-                <a16:creationId xmlns:a16="http://schemas.microsoft.com/office/drawing/2014/main" id="{3C1A5E39-F6B3-4242-AD68-3EE666ED1039}"/>
-              </a:ext>
-            </a:extLst>
-          </p:cNvPr>
-          <p:cNvGrpSpPr/>
-          <p:nvPr/>
-        </p:nvGrpSpPr>
-        <p:grpSpPr>
-          <a:xfrm>
-            <a:off x="3197360" y="2621281"/>
-            <a:ext cx="4925682" cy="1388853"/>
-            <a:chOff x="3197360" y="2621281"/>
-            <a:chExt cx="4925682" cy="1388853"/>
-          </a:xfrm>
-        </p:grpSpPr>
-        <p:sp>
-          <p:nvSpPr>
-            <p:cNvPr id="6" name="テキスト ボックス 5">
-              <a:extLst>
-                <a:ext uri="{FF2B5EF4-FFF2-40B4-BE49-F238E27FC236}">
-                  <a16:creationId xmlns:a16="http://schemas.microsoft.com/office/drawing/2014/main" id="{502B16C5-C46E-49C0-A52E-A838832B4078}"/>
-                </a:ext>
-              </a:extLst>
-            </p:cNvPr>
-            <p:cNvSpPr txBox="1"/>
-            <p:nvPr/>
-          </p:nvSpPr>
-          <p:spPr>
-            <a:xfrm>
-              <a:off x="3197360" y="2696324"/>
-              <a:ext cx="1447832" cy="369332"/>
-            </a:xfrm>
-            <a:prstGeom prst="rect">
-              <a:avLst/>
-            </a:prstGeom>
-            <a:noFill/>
-          </p:spPr>
-          <p:txBody>
-            <a:bodyPr wrap="none" rtlCol="0">
-              <a:spAutoFit/>
-            </a:bodyPr>
-            <a:lstStyle/>
-            <a:p>
-              <a:r>
-                <a:rPr kumimoji="1" lang="ja-JP" altLang="en-US" dirty="0"/>
-                <a:t>アルゴリズム</a:t>
-              </a:r>
-            </a:p>
-          </p:txBody>
-        </p:sp>
-        <p:pic>
-          <p:nvPicPr>
-            <p:cNvPr id="25" name="図 24">
-              <a:extLst>
-                <a:ext uri="{FF2B5EF4-FFF2-40B4-BE49-F238E27FC236}">
-                  <a16:creationId xmlns:a16="http://schemas.microsoft.com/office/drawing/2014/main" id="{C60AE7F4-0007-4CAC-ADBF-18FA6F46CFC8}"/>
-                </a:ext>
-              </a:extLst>
-            </p:cNvPr>
-            <p:cNvPicPr>
-              <a:picLocks noChangeAspect="1"/>
-            </p:cNvPicPr>
-            <p:nvPr>
-              <p:custDataLst>
-                <p:tags r:id="rId1"/>
-              </p:custDataLst>
-            </p:nvPr>
-          </p:nvPicPr>
-          <p:blipFill>
-            <a:blip r:embed="rId4">
-              <a:extLst>
-                <a:ext uri="{28A0092B-C50C-407E-A947-70E740481C1C}">
-                  <a14:useLocalDpi xmlns:a14="http://schemas.microsoft.com/office/drawing/2010/main" val="0"/>
-                </a:ext>
-              </a:extLst>
-            </a:blip>
-            <a:stretch>
-              <a:fillRect/>
-            </a:stretch>
-          </p:blipFill>
-          <p:spPr>
-            <a:xfrm>
-              <a:off x="4102456" y="3315707"/>
-              <a:ext cx="3488920" cy="253019"/>
-            </a:xfrm>
-            <a:prstGeom prst="rect">
-              <a:avLst/>
-            </a:prstGeom>
-          </p:spPr>
-        </p:pic>
-        <p:sp>
-          <p:nvSpPr>
-            <p:cNvPr id="10" name="正方形/長方形 9">
-              <a:extLst>
-                <a:ext uri="{FF2B5EF4-FFF2-40B4-BE49-F238E27FC236}">
-                  <a16:creationId xmlns:a16="http://schemas.microsoft.com/office/drawing/2014/main" id="{9E01C850-4E30-4130-A5B8-AF0B19EA2613}"/>
-                </a:ext>
-              </a:extLst>
-            </p:cNvPr>
-            <p:cNvSpPr/>
-            <p:nvPr/>
-          </p:nvSpPr>
-          <p:spPr>
-            <a:xfrm>
-              <a:off x="3197360" y="2621281"/>
-              <a:ext cx="4925682" cy="1388853"/>
-            </a:xfrm>
-            <a:prstGeom prst="rect">
-              <a:avLst/>
-            </a:prstGeom>
-            <a:noFill/>
-            <a:ln>
-              <a:solidFill>
-                <a:schemeClr val="tx1"/>
-              </a:solidFill>
-            </a:ln>
-          </p:spPr>
-          <p:style>
-            <a:lnRef idx="2">
-              <a:schemeClr val="accent1">
-                <a:shade val="50000"/>
-              </a:schemeClr>
-            </a:lnRef>
-            <a:fillRef idx="1">
-              <a:schemeClr val="accent1"/>
-            </a:fillRef>
-            <a:effectRef idx="0">
-              <a:schemeClr val="accent1"/>
-            </a:effectRef>
-            <a:fontRef idx="minor">
-              <a:schemeClr val="lt1"/>
-            </a:fontRef>
-          </p:style>
-          <p:txBody>
-            <a:bodyPr rtlCol="0" anchor="ctr"/>
-            <a:lstStyle/>
-            <a:p>
-              <a:pPr algn="ctr"/>
-              <a:endParaRPr kumimoji="1" lang="ja-JP" altLang="en-US"/>
-            </a:p>
-          </p:txBody>
-        </p:sp>
-      </p:grpSp>
-      <p:sp>
-        <p:nvSpPr>
-          <p:cNvPr id="13" name="テキスト ボックス 12">
-            <a:extLst>
-              <a:ext uri="{FF2B5EF4-FFF2-40B4-BE49-F238E27FC236}">
-                <a16:creationId xmlns:a16="http://schemas.microsoft.com/office/drawing/2014/main" id="{731DF2D7-9726-497D-96E5-76CBB56A8261}"/>
-              </a:ext>
-            </a:extLst>
-          </p:cNvPr>
-          <p:cNvSpPr txBox="1"/>
-          <p:nvPr/>
-        </p:nvSpPr>
-        <p:spPr>
-          <a:xfrm>
-            <a:off x="1016162" y="2040885"/>
-            <a:ext cx="9288078" cy="836126"/>
-          </a:xfrm>
-          <a:prstGeom prst="rect">
-            <a:avLst/>
-          </a:prstGeom>
-          <a:noFill/>
-        </p:spPr>
-        <p:txBody>
-          <a:bodyPr wrap="square" rtlCol="0">
-            <a:spAutoFit/>
-          </a:bodyPr>
-          <a:lstStyle/>
-          <a:p>
-            <a:pPr>
-              <a:spcAft>
-                <a:spcPts val="1000"/>
-              </a:spcAft>
-            </a:pPr>
-            <a:r>
-              <a:rPr lang="ja-JP" altLang="en-US" sz="2000" dirty="0"/>
-              <a:t>・　局所最小解を求めるアルゴリズム</a:t>
-            </a:r>
-            <a:r>
-              <a:rPr lang="en-US" altLang="ja-JP" sz="2000" dirty="0"/>
-              <a:t>.</a:t>
-            </a:r>
-          </a:p>
-          <a:p>
-            <a:pPr>
-              <a:spcAft>
-                <a:spcPts val="1000"/>
-              </a:spcAft>
-            </a:pPr>
-            <a:endParaRPr lang="en-US" altLang="ja-JP" sz="2000" dirty="0"/>
-          </a:p>
-        </p:txBody>
-      </p:sp>
-      <p:sp>
-        <p:nvSpPr>
-          <p:cNvPr id="14" name="テキスト ボックス 13">
-            <a:extLst>
-              <a:ext uri="{FF2B5EF4-FFF2-40B4-BE49-F238E27FC236}">
-                <a16:creationId xmlns:a16="http://schemas.microsoft.com/office/drawing/2014/main" id="{7FA023BB-BB39-434C-BFA6-65170BE9A0E4}"/>
-              </a:ext>
-            </a:extLst>
-          </p:cNvPr>
-          <p:cNvSpPr txBox="1"/>
-          <p:nvPr/>
-        </p:nvSpPr>
-        <p:spPr>
-          <a:xfrm>
-            <a:off x="1016162" y="4600671"/>
-            <a:ext cx="9288078" cy="400110"/>
-          </a:xfrm>
-          <a:prstGeom prst="rect">
-            <a:avLst/>
-          </a:prstGeom>
-          <a:noFill/>
-        </p:spPr>
-        <p:txBody>
-          <a:bodyPr wrap="square" rtlCol="0">
-            <a:spAutoFit/>
-          </a:bodyPr>
-          <a:lstStyle/>
-          <a:p>
-            <a:pPr>
-              <a:spcAft>
-                <a:spcPts val="1000"/>
-              </a:spcAft>
-            </a:pPr>
-            <a:r>
-              <a:rPr lang="ja-JP" altLang="en-US" sz="2000" dirty="0"/>
-              <a:t>・　大域的な最小解を求めれる保証はない</a:t>
-            </a:r>
-            <a:r>
-              <a:rPr lang="en-US" altLang="ja-JP" sz="2000" dirty="0"/>
-              <a:t>.</a:t>
-            </a:r>
-          </a:p>
-        </p:txBody>
-      </p:sp>
-    </p:spTree>
-    <p:extLst>
-      <p:ext uri="{BB962C8B-B14F-4D97-AF65-F5344CB8AC3E}">
-        <p14:creationId xmlns:p14="http://schemas.microsoft.com/office/powerpoint/2010/main" val="2162166368"/>
-      </p:ext>
-    </p:extLst>
-  </p:cSld>
-  <p:clrMapOvr>
-    <a:masterClrMapping/>
-  </p:clrMapOvr>
-</p:sld>
-</file>
-
-<file path=ppt/slides/slide19.xml><?xml version="1.0" encoding="utf-8"?>
 <p:sld xmlns:a="http://schemas.openxmlformats.org/drawingml/2006/main" xmlns:r="http://schemas.openxmlformats.org/officeDocument/2006/relationships" xmlns:p="http://schemas.openxmlformats.org/presentationml/2006/main">
   <p:cSld>
     <p:spTree>
@@ -9757,8 +9349,8 @@
           </p:txBody>
         </p:sp>
       </p:grpSp>
-      <mc:AlternateContent xmlns:mc="http://schemas.openxmlformats.org/markup-compatibility/2006">
-        <mc:Choice xmlns:a14="http://schemas.microsoft.com/office/drawing/2010/main" Requires="a14">
+      <mc:AlternateContent xmlns:mc="http://schemas.openxmlformats.org/markup-compatibility/2006" xmlns:a14="http://schemas.microsoft.com/office/drawing/2010/main">
+        <mc:Choice Requires="a14">
           <p:sp>
             <p:nvSpPr>
               <p:cNvPr id="14" name="テキスト ボックス 13">
@@ -9826,7 +9418,7 @@
             </p:txBody>
           </p:sp>
         </mc:Choice>
-        <mc:Fallback>
+        <mc:Fallback xmlns="">
           <p:sp>
             <p:nvSpPr>
               <p:cNvPr id="14" name="テキスト ボックス 13">
@@ -10102,7 +9694,7 @@
 </p:sld>
 </file>
 
-<file path=ppt/slides/slide2.xml><?xml version="1.0" encoding="utf-8"?>
+<file path=ppt/slides/slide19.xml><?xml version="1.0" encoding="utf-8"?>
 <p:sld xmlns:a="http://schemas.openxmlformats.org/drawingml/2006/main" xmlns:r="http://schemas.openxmlformats.org/officeDocument/2006/relationships" xmlns:p="http://schemas.openxmlformats.org/presentationml/2006/main">
   <p:cSld>
     <p:spTree>
@@ -10168,351 +9760,6 @@
           <a:p>
             <a:pPr algn="ctr"/>
             <a:r>
-              <a:rPr kumimoji="1" lang="ja-JP" altLang="en-US" sz="3200"/>
-              <a:t>データから</a:t>
-            </a:r>
-            <a:r>
-              <a:rPr kumimoji="1" lang="ja-JP" altLang="en-US" sz="3200" dirty="0"/>
-              <a:t>学習する</a:t>
-            </a:r>
-          </a:p>
-        </p:txBody>
-      </p:sp>
-      <p:sp>
-        <p:nvSpPr>
-          <p:cNvPr id="4" name="テキスト ボックス 3">
-            <a:extLst>
-              <a:ext uri="{FF2B5EF4-FFF2-40B4-BE49-F238E27FC236}">
-                <a16:creationId xmlns:a16="http://schemas.microsoft.com/office/drawing/2014/main" id="{A8CE69BF-0310-4F6C-9693-50B3B7E8C978}"/>
-              </a:ext>
-            </a:extLst>
-          </p:cNvPr>
-          <p:cNvSpPr txBox="1"/>
-          <p:nvPr/>
-        </p:nvSpPr>
-        <p:spPr>
-          <a:xfrm>
-            <a:off x="743691" y="2074926"/>
-            <a:ext cx="7191375" cy="523220"/>
-          </a:xfrm>
-          <a:prstGeom prst="rect">
-            <a:avLst/>
-          </a:prstGeom>
-          <a:noFill/>
-        </p:spPr>
-        <p:txBody>
-          <a:bodyPr wrap="square" rtlCol="0">
-            <a:spAutoFit/>
-          </a:bodyPr>
-          <a:lstStyle/>
-          <a:p>
-            <a:pPr>
-              <a:spcAft>
-                <a:spcPts val="1000"/>
-              </a:spcAft>
-            </a:pPr>
-            <a:r>
-              <a:rPr lang="ja-JP" altLang="en-US" sz="2800" dirty="0"/>
-              <a:t>何をもって </a:t>
-            </a:r>
-            <a:r>
-              <a:rPr lang="en-US" altLang="ja-JP" sz="2800" dirty="0"/>
-              <a:t>“5” </a:t>
-            </a:r>
-            <a:r>
-              <a:rPr lang="ja-JP" altLang="en-US" sz="2800" dirty="0"/>
-              <a:t>と認識するか</a:t>
-            </a:r>
-            <a:r>
-              <a:rPr lang="en-US" altLang="ja-JP" sz="2800" dirty="0"/>
-              <a:t>?</a:t>
-            </a:r>
-          </a:p>
-        </p:txBody>
-      </p:sp>
-      <p:pic>
-        <p:nvPicPr>
-          <p:cNvPr id="8" name="図 7">
-            <a:extLst>
-              <a:ext uri="{FF2B5EF4-FFF2-40B4-BE49-F238E27FC236}">
-                <a16:creationId xmlns:a16="http://schemas.microsoft.com/office/drawing/2014/main" id="{33361798-7C68-48DC-A170-B5D47BEFC913}"/>
-              </a:ext>
-            </a:extLst>
-          </p:cNvPr>
-          <p:cNvPicPr>
-            <a:picLocks noChangeAspect="1"/>
-          </p:cNvPicPr>
-          <p:nvPr/>
-        </p:nvPicPr>
-        <p:blipFill>
-          <a:blip r:embed="rId2">
-            <a:extLst>
-              <a:ext uri="{28A0092B-C50C-407E-A947-70E740481C1C}">
-                <a14:useLocalDpi xmlns:a14="http://schemas.microsoft.com/office/drawing/2010/main" val="0"/>
-              </a:ext>
-            </a:extLst>
-          </a:blip>
-          <a:stretch>
-            <a:fillRect/>
-          </a:stretch>
-        </p:blipFill>
-        <p:spPr>
-          <a:xfrm>
-            <a:off x="8549195" y="1619944"/>
-            <a:ext cx="3296575" cy="2446676"/>
-          </a:xfrm>
-          <a:prstGeom prst="rect">
-            <a:avLst/>
-          </a:prstGeom>
-        </p:spPr>
-      </p:pic>
-      <p:sp>
-        <p:nvSpPr>
-          <p:cNvPr id="9" name="テキスト ボックス 8">
-            <a:extLst>
-              <a:ext uri="{FF2B5EF4-FFF2-40B4-BE49-F238E27FC236}">
-                <a16:creationId xmlns:a16="http://schemas.microsoft.com/office/drawing/2014/main" id="{51B64A6A-46C6-45A4-9424-0CF0F15EB2BB}"/>
-              </a:ext>
-            </a:extLst>
-          </p:cNvPr>
-          <p:cNvSpPr txBox="1"/>
-          <p:nvPr/>
-        </p:nvSpPr>
-        <p:spPr>
-          <a:xfrm>
-            <a:off x="743690" y="3011080"/>
-            <a:ext cx="7191375" cy="836126"/>
-          </a:xfrm>
-          <a:prstGeom prst="rect">
-            <a:avLst/>
-          </a:prstGeom>
-          <a:noFill/>
-        </p:spPr>
-        <p:txBody>
-          <a:bodyPr wrap="square" rtlCol="0">
-            <a:spAutoFit/>
-          </a:bodyPr>
-          <a:lstStyle/>
-          <a:p>
-            <a:pPr>
-              <a:spcAft>
-                <a:spcPts val="1000"/>
-              </a:spcAft>
-            </a:pPr>
-            <a:r>
-              <a:rPr lang="ja-JP" altLang="en-US" sz="2000" dirty="0"/>
-              <a:t>・ 非線形な分離問題は何千ものパーセプトロンを</a:t>
-            </a:r>
-            <a:endParaRPr lang="en-US" altLang="ja-JP" sz="2000" dirty="0"/>
-          </a:p>
-          <a:p>
-            <a:pPr>
-              <a:spcAft>
-                <a:spcPts val="1000"/>
-              </a:spcAft>
-            </a:pPr>
-            <a:r>
-              <a:rPr lang="ja-JP" altLang="en-US" sz="2000" dirty="0"/>
-              <a:t>　自分で設定しないといけない　→　　ほぼ不可能</a:t>
-            </a:r>
-            <a:endParaRPr lang="en-US" altLang="ja-JP" sz="2000" dirty="0"/>
-          </a:p>
-        </p:txBody>
-      </p:sp>
-      <p:sp>
-        <p:nvSpPr>
-          <p:cNvPr id="10" name="テキスト ボックス 9">
-            <a:extLst>
-              <a:ext uri="{FF2B5EF4-FFF2-40B4-BE49-F238E27FC236}">
-                <a16:creationId xmlns:a16="http://schemas.microsoft.com/office/drawing/2014/main" id="{B76BE8A9-2BF1-4D40-A0AF-0A70E6E40A81}"/>
-              </a:ext>
-            </a:extLst>
-          </p:cNvPr>
-          <p:cNvSpPr txBox="1"/>
-          <p:nvPr/>
-        </p:nvSpPr>
-        <p:spPr>
-          <a:xfrm>
-            <a:off x="743689" y="4259855"/>
-            <a:ext cx="9288078" cy="400110"/>
-          </a:xfrm>
-          <a:prstGeom prst="rect">
-            <a:avLst/>
-          </a:prstGeom>
-          <a:noFill/>
-        </p:spPr>
-        <p:txBody>
-          <a:bodyPr wrap="square" rtlCol="0">
-            <a:spAutoFit/>
-          </a:bodyPr>
-          <a:lstStyle/>
-          <a:p>
-            <a:pPr>
-              <a:spcAft>
-                <a:spcPts val="1000"/>
-              </a:spcAft>
-            </a:pPr>
-            <a:r>
-              <a:rPr lang="ja-JP" altLang="en-US" sz="2000" dirty="0"/>
-              <a:t>・　解決のアイデアの１つは特徴量を抽出して特徴量のパターンを機械学習する</a:t>
-            </a:r>
-            <a:r>
-              <a:rPr lang="en-US" altLang="ja-JP" sz="2000" dirty="0"/>
-              <a:t>.</a:t>
-            </a:r>
-          </a:p>
-        </p:txBody>
-      </p:sp>
-      <p:sp>
-        <p:nvSpPr>
-          <p:cNvPr id="11" name="テキスト ボックス 10">
-            <a:extLst>
-              <a:ext uri="{FF2B5EF4-FFF2-40B4-BE49-F238E27FC236}">
-                <a16:creationId xmlns:a16="http://schemas.microsoft.com/office/drawing/2014/main" id="{2BC5E5C9-16F0-4CE6-98D4-1019CA124C1D}"/>
-              </a:ext>
-            </a:extLst>
-          </p:cNvPr>
-          <p:cNvSpPr txBox="1"/>
-          <p:nvPr/>
-        </p:nvSpPr>
-        <p:spPr>
-          <a:xfrm>
-            <a:off x="743689" y="5072614"/>
-            <a:ext cx="9288078" cy="836126"/>
-          </a:xfrm>
-          <a:prstGeom prst="rect">
-            <a:avLst/>
-          </a:prstGeom>
-          <a:noFill/>
-        </p:spPr>
-        <p:txBody>
-          <a:bodyPr wrap="square" rtlCol="0">
-            <a:spAutoFit/>
-          </a:bodyPr>
-          <a:lstStyle/>
-          <a:p>
-            <a:pPr>
-              <a:spcAft>
-                <a:spcPts val="1000"/>
-              </a:spcAft>
-            </a:pPr>
-            <a:r>
-              <a:rPr lang="ja-JP" altLang="en-US" sz="2000" dirty="0"/>
-              <a:t>・　今回はニューラルネットワークによるアプローチをする</a:t>
-            </a:r>
-            <a:r>
-              <a:rPr lang="en-US" altLang="ja-JP" sz="2000" dirty="0"/>
-              <a:t>.</a:t>
-            </a:r>
-          </a:p>
-          <a:p>
-            <a:pPr>
-              <a:spcAft>
-                <a:spcPts val="1000"/>
-              </a:spcAft>
-            </a:pPr>
-            <a:r>
-              <a:rPr lang="en-US" altLang="ja-JP" sz="2000" dirty="0"/>
-              <a:t>    </a:t>
-            </a:r>
-            <a:r>
-              <a:rPr lang="ja-JP" altLang="en-US" sz="2000" dirty="0"/>
-              <a:t>→　人が介在せず</a:t>
-            </a:r>
-            <a:r>
-              <a:rPr lang="en-US" altLang="ja-JP" sz="2000" dirty="0"/>
-              <a:t>, </a:t>
-            </a:r>
-            <a:r>
-              <a:rPr lang="ja-JP" altLang="en-US" sz="2000" dirty="0"/>
-              <a:t>更にすべての問題を同じ流れで解ける</a:t>
-            </a:r>
-            <a:r>
-              <a:rPr lang="en-US" altLang="ja-JP" sz="2000" dirty="0"/>
-              <a:t>.</a:t>
-            </a:r>
-          </a:p>
-        </p:txBody>
-      </p:sp>
-    </p:spTree>
-    <p:extLst>
-      <p:ext uri="{BB962C8B-B14F-4D97-AF65-F5344CB8AC3E}">
-        <p14:creationId xmlns:p14="http://schemas.microsoft.com/office/powerpoint/2010/main" val="48988176"/>
-      </p:ext>
-    </p:extLst>
-  </p:cSld>
-  <p:clrMapOvr>
-    <a:masterClrMapping/>
-  </p:clrMapOvr>
-</p:sld>
-</file>
-
-<file path=ppt/slides/slide20.xml><?xml version="1.0" encoding="utf-8"?>
-<p:sld xmlns:a="http://schemas.openxmlformats.org/drawingml/2006/main" xmlns:r="http://schemas.openxmlformats.org/officeDocument/2006/relationships" xmlns:p="http://schemas.openxmlformats.org/presentationml/2006/main">
-  <p:cSld>
-    <p:spTree>
-      <p:nvGrpSpPr>
-        <p:cNvPr id="1" name=""/>
-        <p:cNvGrpSpPr/>
-        <p:nvPr/>
-      </p:nvGrpSpPr>
-      <p:grpSpPr>
-        <a:xfrm>
-          <a:off x="0" y="0"/>
-          <a:ext cx="0" cy="0"/>
-          <a:chOff x="0" y="0"/>
-          <a:chExt cx="0" cy="0"/>
-        </a:xfrm>
-      </p:grpSpPr>
-      <p:sp>
-        <p:nvSpPr>
-          <p:cNvPr id="2" name="正方形/長方形 1">
-            <a:extLst>
-              <a:ext uri="{FF2B5EF4-FFF2-40B4-BE49-F238E27FC236}">
-                <a16:creationId xmlns:a16="http://schemas.microsoft.com/office/drawing/2014/main" id="{3892CBB6-EC9D-402D-91F4-C7BEF8FAB889}"/>
-              </a:ext>
-            </a:extLst>
-          </p:cNvPr>
-          <p:cNvSpPr/>
-          <p:nvPr/>
-        </p:nvSpPr>
-        <p:spPr>
-          <a:xfrm>
-            <a:off x="2632228" y="452762"/>
-            <a:ext cx="6927543" cy="896645"/>
-          </a:xfrm>
-          <a:prstGeom prst="rect">
-            <a:avLst/>
-          </a:prstGeom>
-          <a:solidFill>
-            <a:schemeClr val="accent1"/>
-          </a:solidFill>
-          <a:ln>
-            <a:noFill/>
-          </a:ln>
-        </p:spPr>
-        <p:style>
-          <a:lnRef idx="2">
-            <a:schemeClr val="accent1">
-              <a:shade val="50000"/>
-            </a:schemeClr>
-          </a:lnRef>
-          <a:fillRef idx="1">
-            <a:schemeClr val="accent1"/>
-          </a:fillRef>
-          <a:effectRef idx="0">
-            <a:schemeClr val="accent1"/>
-          </a:effectRef>
-          <a:fontRef idx="minor">
-            <a:schemeClr val="lt1"/>
-          </a:fontRef>
-        </p:style>
-        <p:txBody>
-          <a:bodyPr rtlCol="0" anchor="ctr"/>
-          <a:lstStyle/>
-          <a:p>
-            <a:pPr algn="ctr"/>
-            <a:r>
               <a:rPr lang="ja-JP" altLang="en-US" sz="3200" dirty="0"/>
               <a:t>勾配法</a:t>
             </a:r>
@@ -10561,8 +9808,8 @@
           </a:p>
         </p:txBody>
       </p:sp>
-      <mc:AlternateContent xmlns:mc="http://schemas.openxmlformats.org/markup-compatibility/2006">
-        <mc:Choice xmlns:a14="http://schemas.microsoft.com/office/drawing/2010/main" Requires="a14">
+      <mc:AlternateContent xmlns:mc="http://schemas.openxmlformats.org/markup-compatibility/2006" xmlns:a14="http://schemas.microsoft.com/office/drawing/2010/main">
+        <mc:Choice Requires="a14">
           <p:sp>
             <p:nvSpPr>
               <p:cNvPr id="14" name="テキスト ボックス 13">
@@ -10643,7 +9890,7 @@
             </p:txBody>
           </p:sp>
         </mc:Choice>
-        <mc:Fallback>
+        <mc:Fallback xmlns="">
           <p:sp>
             <p:nvSpPr>
               <p:cNvPr id="14" name="テキスト ボックス 13">
@@ -10988,8 +10235,8 @@
               </a:p>
             </p:txBody>
           </p:sp>
-          <mc:AlternateContent xmlns:mc="http://schemas.openxmlformats.org/markup-compatibility/2006">
-            <mc:Choice xmlns:a14="http://schemas.microsoft.com/office/drawing/2010/main" Requires="a14">
+          <mc:AlternateContent xmlns:mc="http://schemas.openxmlformats.org/markup-compatibility/2006" xmlns:a14="http://schemas.microsoft.com/office/drawing/2010/main">
+            <mc:Choice Requires="a14">
               <p:sp>
                 <p:nvSpPr>
                   <p:cNvPr id="24" name="テキスト ボックス 23">
@@ -11061,7 +10308,7 @@
                 </p:txBody>
               </p:sp>
             </mc:Choice>
-            <mc:Fallback>
+            <mc:Fallback xmlns="">
               <p:sp>
                 <p:nvSpPr>
                   <p:cNvPr id="24" name="テキスト ボックス 23">
@@ -11109,8 +10356,8 @@
               </p:sp>
             </mc:Fallback>
           </mc:AlternateContent>
-          <mc:AlternateContent xmlns:mc="http://schemas.openxmlformats.org/markup-compatibility/2006">
-            <mc:Choice xmlns:a14="http://schemas.microsoft.com/office/drawing/2010/main" Requires="a14">
+          <mc:AlternateContent xmlns:mc="http://schemas.openxmlformats.org/markup-compatibility/2006" xmlns:a14="http://schemas.microsoft.com/office/drawing/2010/main">
+            <mc:Choice Requires="a14">
               <p:sp>
                 <p:nvSpPr>
                   <p:cNvPr id="27" name="正方形/長方形 26">
@@ -11181,7 +10428,7 @@
                 </p:txBody>
               </p:sp>
             </mc:Choice>
-            <mc:Fallback>
+            <mc:Fallback xmlns="">
               <p:sp>
                 <p:nvSpPr>
                   <p:cNvPr id="27" name="正方形/長方形 26">
@@ -11229,8 +10476,8 @@
               </p:sp>
             </mc:Fallback>
           </mc:AlternateContent>
-          <mc:AlternateContent xmlns:mc="http://schemas.openxmlformats.org/markup-compatibility/2006">
-            <mc:Choice xmlns:a14="http://schemas.microsoft.com/office/drawing/2010/main" Requires="a14">
+          <mc:AlternateContent xmlns:mc="http://schemas.openxmlformats.org/markup-compatibility/2006" xmlns:a14="http://schemas.microsoft.com/office/drawing/2010/main">
+            <mc:Choice Requires="a14">
               <p:sp>
                 <p:nvSpPr>
                   <p:cNvPr id="28" name="テキスト ボックス 27">
@@ -11315,7 +10562,7 @@
                 </p:txBody>
               </p:sp>
             </mc:Choice>
-            <mc:Fallback>
+            <mc:Fallback xmlns="">
               <p:sp>
                 <p:nvSpPr>
                   <p:cNvPr id="28" name="テキスト ボックス 27">
@@ -11363,8 +10610,8 @@
               </p:sp>
             </mc:Fallback>
           </mc:AlternateContent>
-          <mc:AlternateContent xmlns:mc="http://schemas.openxmlformats.org/markup-compatibility/2006">
-            <mc:Choice xmlns:a14="http://schemas.microsoft.com/office/drawing/2010/main" Requires="a14">
+          <mc:AlternateContent xmlns:mc="http://schemas.openxmlformats.org/markup-compatibility/2006" xmlns:a14="http://schemas.microsoft.com/office/drawing/2010/main">
+            <mc:Choice Requires="a14">
               <p:sp>
                 <p:nvSpPr>
                   <p:cNvPr id="29" name="テキスト ボックス 28">
@@ -11449,7 +10696,7 @@
                 </p:txBody>
               </p:sp>
             </mc:Choice>
-            <mc:Fallback>
+            <mc:Fallback xmlns="">
               <p:sp>
                 <p:nvSpPr>
                   <p:cNvPr id="29" name="テキスト ボックス 28">
@@ -11890,8 +11137,8 @@
             </p:txBody>
           </p:sp>
         </p:grpSp>
-        <mc:AlternateContent xmlns:mc="http://schemas.openxmlformats.org/markup-compatibility/2006">
-          <mc:Choice xmlns:a14="http://schemas.microsoft.com/office/drawing/2010/main" Requires="a14">
+        <mc:AlternateContent xmlns:mc="http://schemas.openxmlformats.org/markup-compatibility/2006" xmlns:a14="http://schemas.microsoft.com/office/drawing/2010/main">
+          <mc:Choice Requires="a14">
             <p:sp>
               <p:nvSpPr>
                 <p:cNvPr id="5" name="正方形/長方形 4">
@@ -11919,6 +11166,7 @@
                 </a:bodyPr>
                 <a:lstStyle/>
                 <a:p>
+                  <a:pPr/>
                   <a14:m>
                     <m:oMathPara xmlns:m="http://schemas.openxmlformats.org/officeDocument/2006/math">
                       <m:oMathParaPr>
@@ -11967,7 +11215,7 @@
               </p:txBody>
             </p:sp>
           </mc:Choice>
-          <mc:Fallback>
+          <mc:Fallback xmlns="">
             <p:sp>
               <p:nvSpPr>
                 <p:cNvPr id="5" name="正方形/長方形 4">
@@ -12146,7 +11394,352 @@
 </p:sld>
 </file>
 
-<file path=ppt/slides/slide21.xml><?xml version="1.0" encoding="utf-8"?>
+<file path=ppt/slides/slide2.xml><?xml version="1.0" encoding="utf-8"?>
+<p:sld xmlns:a="http://schemas.openxmlformats.org/drawingml/2006/main" xmlns:r="http://schemas.openxmlformats.org/officeDocument/2006/relationships" xmlns:p="http://schemas.openxmlformats.org/presentationml/2006/main">
+  <p:cSld>
+    <p:spTree>
+      <p:nvGrpSpPr>
+        <p:cNvPr id="1" name=""/>
+        <p:cNvGrpSpPr/>
+        <p:nvPr/>
+      </p:nvGrpSpPr>
+      <p:grpSpPr>
+        <a:xfrm>
+          <a:off x="0" y="0"/>
+          <a:ext cx="0" cy="0"/>
+          <a:chOff x="0" y="0"/>
+          <a:chExt cx="0" cy="0"/>
+        </a:xfrm>
+      </p:grpSpPr>
+      <p:sp>
+        <p:nvSpPr>
+          <p:cNvPr id="2" name="正方形/長方形 1">
+            <a:extLst>
+              <a:ext uri="{FF2B5EF4-FFF2-40B4-BE49-F238E27FC236}">
+                <a16:creationId xmlns:a16="http://schemas.microsoft.com/office/drawing/2014/main" id="{3892CBB6-EC9D-402D-91F4-C7BEF8FAB889}"/>
+              </a:ext>
+            </a:extLst>
+          </p:cNvPr>
+          <p:cNvSpPr/>
+          <p:nvPr/>
+        </p:nvSpPr>
+        <p:spPr>
+          <a:xfrm>
+            <a:off x="2632228" y="452762"/>
+            <a:ext cx="6927543" cy="896645"/>
+          </a:xfrm>
+          <a:prstGeom prst="rect">
+            <a:avLst/>
+          </a:prstGeom>
+          <a:solidFill>
+            <a:schemeClr val="accent1"/>
+          </a:solidFill>
+          <a:ln>
+            <a:noFill/>
+          </a:ln>
+        </p:spPr>
+        <p:style>
+          <a:lnRef idx="2">
+            <a:schemeClr val="accent1">
+              <a:shade val="50000"/>
+            </a:schemeClr>
+          </a:lnRef>
+          <a:fillRef idx="1">
+            <a:schemeClr val="accent1"/>
+          </a:fillRef>
+          <a:effectRef idx="0">
+            <a:schemeClr val="accent1"/>
+          </a:effectRef>
+          <a:fontRef idx="minor">
+            <a:schemeClr val="lt1"/>
+          </a:fontRef>
+        </p:style>
+        <p:txBody>
+          <a:bodyPr rtlCol="0" anchor="ctr"/>
+          <a:lstStyle/>
+          <a:p>
+            <a:pPr algn="ctr"/>
+            <a:r>
+              <a:rPr kumimoji="1" lang="ja-JP" altLang="en-US" sz="3200"/>
+              <a:t>データから</a:t>
+            </a:r>
+            <a:r>
+              <a:rPr kumimoji="1" lang="ja-JP" altLang="en-US" sz="3200" dirty="0"/>
+              <a:t>学習する</a:t>
+            </a:r>
+          </a:p>
+        </p:txBody>
+      </p:sp>
+      <p:sp>
+        <p:nvSpPr>
+          <p:cNvPr id="4" name="テキスト ボックス 3">
+            <a:extLst>
+              <a:ext uri="{FF2B5EF4-FFF2-40B4-BE49-F238E27FC236}">
+                <a16:creationId xmlns:a16="http://schemas.microsoft.com/office/drawing/2014/main" id="{A8CE69BF-0310-4F6C-9693-50B3B7E8C978}"/>
+              </a:ext>
+            </a:extLst>
+          </p:cNvPr>
+          <p:cNvSpPr txBox="1"/>
+          <p:nvPr/>
+        </p:nvSpPr>
+        <p:spPr>
+          <a:xfrm>
+            <a:off x="743691" y="2074926"/>
+            <a:ext cx="7191375" cy="523220"/>
+          </a:xfrm>
+          <a:prstGeom prst="rect">
+            <a:avLst/>
+          </a:prstGeom>
+          <a:noFill/>
+        </p:spPr>
+        <p:txBody>
+          <a:bodyPr wrap="square" rtlCol="0">
+            <a:spAutoFit/>
+          </a:bodyPr>
+          <a:lstStyle/>
+          <a:p>
+            <a:pPr>
+              <a:spcAft>
+                <a:spcPts val="1000"/>
+              </a:spcAft>
+            </a:pPr>
+            <a:r>
+              <a:rPr lang="ja-JP" altLang="en-US" sz="2800" dirty="0"/>
+              <a:t>何をもって </a:t>
+            </a:r>
+            <a:r>
+              <a:rPr lang="en-US" altLang="ja-JP" sz="2800" dirty="0"/>
+              <a:t>“5” </a:t>
+            </a:r>
+            <a:r>
+              <a:rPr lang="ja-JP" altLang="en-US" sz="2800" dirty="0"/>
+              <a:t>と認識するか</a:t>
+            </a:r>
+            <a:r>
+              <a:rPr lang="en-US" altLang="ja-JP" sz="2800" dirty="0"/>
+              <a:t>?</a:t>
+            </a:r>
+          </a:p>
+        </p:txBody>
+      </p:sp>
+      <p:pic>
+        <p:nvPicPr>
+          <p:cNvPr id="8" name="図 7">
+            <a:extLst>
+              <a:ext uri="{FF2B5EF4-FFF2-40B4-BE49-F238E27FC236}">
+                <a16:creationId xmlns:a16="http://schemas.microsoft.com/office/drawing/2014/main" id="{33361798-7C68-48DC-A170-B5D47BEFC913}"/>
+              </a:ext>
+            </a:extLst>
+          </p:cNvPr>
+          <p:cNvPicPr>
+            <a:picLocks noChangeAspect="1"/>
+          </p:cNvPicPr>
+          <p:nvPr/>
+        </p:nvPicPr>
+        <p:blipFill>
+          <a:blip r:embed="rId2">
+            <a:extLst>
+              <a:ext uri="{28A0092B-C50C-407E-A947-70E740481C1C}">
+                <a14:useLocalDpi xmlns:a14="http://schemas.microsoft.com/office/drawing/2010/main" val="0"/>
+              </a:ext>
+            </a:extLst>
+          </a:blip>
+          <a:stretch>
+            <a:fillRect/>
+          </a:stretch>
+        </p:blipFill>
+        <p:spPr>
+          <a:xfrm>
+            <a:off x="8549195" y="1619944"/>
+            <a:ext cx="3296575" cy="2446676"/>
+          </a:xfrm>
+          <a:prstGeom prst="rect">
+            <a:avLst/>
+          </a:prstGeom>
+        </p:spPr>
+      </p:pic>
+      <p:sp>
+        <p:nvSpPr>
+          <p:cNvPr id="9" name="テキスト ボックス 8">
+            <a:extLst>
+              <a:ext uri="{FF2B5EF4-FFF2-40B4-BE49-F238E27FC236}">
+                <a16:creationId xmlns:a16="http://schemas.microsoft.com/office/drawing/2014/main" id="{51B64A6A-46C6-45A4-9424-0CF0F15EB2BB}"/>
+              </a:ext>
+            </a:extLst>
+          </p:cNvPr>
+          <p:cNvSpPr txBox="1"/>
+          <p:nvPr/>
+        </p:nvSpPr>
+        <p:spPr>
+          <a:xfrm>
+            <a:off x="743690" y="3011080"/>
+            <a:ext cx="7191375" cy="836126"/>
+          </a:xfrm>
+          <a:prstGeom prst="rect">
+            <a:avLst/>
+          </a:prstGeom>
+          <a:noFill/>
+        </p:spPr>
+        <p:txBody>
+          <a:bodyPr wrap="square" rtlCol="0">
+            <a:spAutoFit/>
+          </a:bodyPr>
+          <a:lstStyle/>
+          <a:p>
+            <a:pPr>
+              <a:spcAft>
+                <a:spcPts val="1000"/>
+              </a:spcAft>
+            </a:pPr>
+            <a:r>
+              <a:rPr lang="ja-JP" altLang="en-US" sz="2000" dirty="0"/>
+              <a:t>・ 非線形な分離問題は何千ものパーセプトロンを</a:t>
+            </a:r>
+            <a:endParaRPr lang="en-US" altLang="ja-JP" sz="2000" dirty="0"/>
+          </a:p>
+          <a:p>
+            <a:pPr>
+              <a:spcAft>
+                <a:spcPts val="1000"/>
+              </a:spcAft>
+            </a:pPr>
+            <a:r>
+              <a:rPr lang="ja-JP" altLang="en-US" sz="2000" dirty="0"/>
+              <a:t>　自分で設定しないといけない　→　　ほぼ不可能</a:t>
+            </a:r>
+            <a:endParaRPr lang="en-US" altLang="ja-JP" sz="2000" dirty="0"/>
+          </a:p>
+        </p:txBody>
+      </p:sp>
+      <p:sp>
+        <p:nvSpPr>
+          <p:cNvPr id="10" name="テキスト ボックス 9">
+            <a:extLst>
+              <a:ext uri="{FF2B5EF4-FFF2-40B4-BE49-F238E27FC236}">
+                <a16:creationId xmlns:a16="http://schemas.microsoft.com/office/drawing/2014/main" id="{B76BE8A9-2BF1-4D40-A0AF-0A70E6E40A81}"/>
+              </a:ext>
+            </a:extLst>
+          </p:cNvPr>
+          <p:cNvSpPr txBox="1"/>
+          <p:nvPr/>
+        </p:nvSpPr>
+        <p:spPr>
+          <a:xfrm>
+            <a:off x="743689" y="4259855"/>
+            <a:ext cx="9288078" cy="400110"/>
+          </a:xfrm>
+          <a:prstGeom prst="rect">
+            <a:avLst/>
+          </a:prstGeom>
+          <a:noFill/>
+        </p:spPr>
+        <p:txBody>
+          <a:bodyPr wrap="square" rtlCol="0">
+            <a:spAutoFit/>
+          </a:bodyPr>
+          <a:lstStyle/>
+          <a:p>
+            <a:pPr>
+              <a:spcAft>
+                <a:spcPts val="1000"/>
+              </a:spcAft>
+            </a:pPr>
+            <a:r>
+              <a:rPr lang="ja-JP" altLang="en-US" sz="2000" dirty="0"/>
+              <a:t>・　解決のアイデアの１つは特徴量を抽出して特徴量のパターンを機械学習する</a:t>
+            </a:r>
+            <a:r>
+              <a:rPr lang="en-US" altLang="ja-JP" sz="2000" dirty="0"/>
+              <a:t>.</a:t>
+            </a:r>
+          </a:p>
+        </p:txBody>
+      </p:sp>
+      <p:sp>
+        <p:nvSpPr>
+          <p:cNvPr id="11" name="テキスト ボックス 10">
+            <a:extLst>
+              <a:ext uri="{FF2B5EF4-FFF2-40B4-BE49-F238E27FC236}">
+                <a16:creationId xmlns:a16="http://schemas.microsoft.com/office/drawing/2014/main" id="{2BC5E5C9-16F0-4CE6-98D4-1019CA124C1D}"/>
+              </a:ext>
+            </a:extLst>
+          </p:cNvPr>
+          <p:cNvSpPr txBox="1"/>
+          <p:nvPr/>
+        </p:nvSpPr>
+        <p:spPr>
+          <a:xfrm>
+            <a:off x="743689" y="5072614"/>
+            <a:ext cx="9288078" cy="836126"/>
+          </a:xfrm>
+          <a:prstGeom prst="rect">
+            <a:avLst/>
+          </a:prstGeom>
+          <a:noFill/>
+        </p:spPr>
+        <p:txBody>
+          <a:bodyPr wrap="square" rtlCol="0">
+            <a:spAutoFit/>
+          </a:bodyPr>
+          <a:lstStyle/>
+          <a:p>
+            <a:pPr>
+              <a:spcAft>
+                <a:spcPts val="1000"/>
+              </a:spcAft>
+            </a:pPr>
+            <a:r>
+              <a:rPr lang="ja-JP" altLang="en-US" sz="2000" dirty="0"/>
+              <a:t>・　今回はニューラルネットワークによるアプローチをする</a:t>
+            </a:r>
+            <a:r>
+              <a:rPr lang="en-US" altLang="ja-JP" sz="2000" dirty="0"/>
+              <a:t>.</a:t>
+            </a:r>
+          </a:p>
+          <a:p>
+            <a:pPr>
+              <a:spcAft>
+                <a:spcPts val="1000"/>
+              </a:spcAft>
+            </a:pPr>
+            <a:r>
+              <a:rPr lang="en-US" altLang="ja-JP" sz="2000" dirty="0"/>
+              <a:t>    </a:t>
+            </a:r>
+            <a:r>
+              <a:rPr lang="ja-JP" altLang="en-US" sz="2000" dirty="0"/>
+              <a:t>→　人が介在せず</a:t>
+            </a:r>
+            <a:r>
+              <a:rPr lang="en-US" altLang="ja-JP" sz="2000" dirty="0"/>
+              <a:t>, </a:t>
+            </a:r>
+            <a:r>
+              <a:rPr lang="ja-JP" altLang="en-US" sz="2000" dirty="0"/>
+              <a:t>更にすべての問題を同じ流れで解ける</a:t>
+            </a:r>
+            <a:r>
+              <a:rPr lang="en-US" altLang="ja-JP" sz="2000" dirty="0"/>
+              <a:t>.</a:t>
+            </a:r>
+          </a:p>
+        </p:txBody>
+      </p:sp>
+    </p:spTree>
+    <p:extLst>
+      <p:ext uri="{BB962C8B-B14F-4D97-AF65-F5344CB8AC3E}">
+        <p14:creationId xmlns:p14="http://schemas.microsoft.com/office/powerpoint/2010/main" val="48988176"/>
+      </p:ext>
+    </p:extLst>
+  </p:cSld>
+  <p:clrMapOvr>
+    <a:masterClrMapping/>
+  </p:clrMapOvr>
+</p:sld>
+</file>
+
+<file path=ppt/slides/slide20.xml><?xml version="1.0" encoding="utf-8"?>
 <p:sld xmlns:a="http://schemas.openxmlformats.org/drawingml/2006/main" xmlns:r="http://schemas.openxmlformats.org/officeDocument/2006/relationships" xmlns:p="http://schemas.openxmlformats.org/presentationml/2006/main">
   <p:cSld>
     <p:spTree>
@@ -12495,7 +12088,7 @@
 </p:sld>
 </file>
 
-<file path=ppt/slides/slide22.xml><?xml version="1.0" encoding="utf-8"?>
+<file path=ppt/slides/slide21.xml><?xml version="1.0" encoding="utf-8"?>
 <p:sld xmlns:a="http://schemas.openxmlformats.org/drawingml/2006/main" xmlns:r="http://schemas.openxmlformats.org/officeDocument/2006/relationships" xmlns:p="http://schemas.openxmlformats.org/presentationml/2006/main">
   <p:cSld>
     <p:spTree>
@@ -12713,7 +12306,7 @@
 </p:sld>
 </file>
 
-<file path=ppt/slides/slide23.xml><?xml version="1.0" encoding="utf-8"?>
+<file path=ppt/slides/slide22.xml><?xml version="1.0" encoding="utf-8"?>
 <p:sld xmlns:a="http://schemas.openxmlformats.org/drawingml/2006/main" xmlns:r="http://schemas.openxmlformats.org/officeDocument/2006/relationships" xmlns:p="http://schemas.openxmlformats.org/presentationml/2006/main">
   <p:cSld>
     <p:spTree>
@@ -15244,8 +14837,8 @@
           </a:p>
         </p:txBody>
       </p:sp>
-      <mc:AlternateContent xmlns:mc="http://schemas.openxmlformats.org/markup-compatibility/2006">
-        <mc:Choice xmlns:a14="http://schemas.microsoft.com/office/drawing/2010/main" Requires="a14">
+      <mc:AlternateContent xmlns:mc="http://schemas.openxmlformats.org/markup-compatibility/2006" xmlns:a14="http://schemas.microsoft.com/office/drawing/2010/main">
+        <mc:Choice Requires="a14">
           <p:sp>
             <p:nvSpPr>
               <p:cNvPr id="4" name="テキスト ボックス 3">
@@ -15374,7 +14967,7 @@
             </p:txBody>
           </p:sp>
         </mc:Choice>
-        <mc:Fallback>
+        <mc:Fallback xmlns="">
           <p:sp>
             <p:nvSpPr>
               <p:cNvPr id="4" name="テキスト ボックス 3">
@@ -15624,8 +15217,8 @@
           </a:p>
         </p:txBody>
       </p:sp>
-      <mc:AlternateContent xmlns:mc="http://schemas.openxmlformats.org/markup-compatibility/2006">
-        <mc:Choice xmlns:a14="http://schemas.microsoft.com/office/drawing/2010/main" Requires="a14">
+      <mc:AlternateContent xmlns:mc="http://schemas.openxmlformats.org/markup-compatibility/2006" xmlns:a14="http://schemas.microsoft.com/office/drawing/2010/main">
+        <mc:Choice Requires="a14">
           <p:sp>
             <p:nvSpPr>
               <p:cNvPr id="9" name="テキスト ボックス 8">
@@ -15713,7 +15306,7 @@
             </p:txBody>
           </p:sp>
         </mc:Choice>
-        <mc:Fallback>
+        <mc:Fallback xmlns="">
           <p:sp>
             <p:nvSpPr>
               <p:cNvPr id="9" name="テキスト ボックス 8">
@@ -15798,8 +15391,8 @@
           </a:prstGeom>
         </p:spPr>
       </p:pic>
-      <mc:AlternateContent xmlns:mc="http://schemas.openxmlformats.org/markup-compatibility/2006">
-        <mc:Choice xmlns:a14="http://schemas.microsoft.com/office/drawing/2010/main" Requires="a14">
+      <mc:AlternateContent xmlns:mc="http://schemas.openxmlformats.org/markup-compatibility/2006" xmlns:a14="http://schemas.microsoft.com/office/drawing/2010/main">
+        <mc:Choice Requires="a14">
           <p:sp>
             <p:nvSpPr>
               <p:cNvPr id="10" name="テキスト ボックス 9">
@@ -15906,7 +15499,7 @@
             </p:txBody>
           </p:sp>
         </mc:Choice>
-        <mc:Fallback>
+        <mc:Fallback xmlns="">
           <p:sp>
             <p:nvSpPr>
               <p:cNvPr id="10" name="テキスト ボックス 9">
@@ -16252,25 +15845,6 @@
 <file path=ppt/tags/tag23.xml><?xml version="1.0" encoding="utf-8"?>
 <p:tagLst xmlns:a="http://schemas.openxmlformats.org/drawingml/2006/main" xmlns:r="http://schemas.openxmlformats.org/officeDocument/2006/relationships" xmlns:p="http://schemas.openxmlformats.org/presentationml/2006/main">
   <p:tag name="OUTPUTDPI" val="1200"/>
-  <p:tag name="ORIGINALHEIGHT" val="124.5174"/>
-  <p:tag name="ORIGINALWIDTH" val="1716.99"/>
-  <p:tag name="LATEXADDIN" val="\documentclass{article}&#10;\usepackage{amsmath}&#10;\pagestyle{empty}&#10;\begin{document}&#10;&#10;&#10;$\displaystyle (x_0,x_1)=(x_0,x_1)-\eta* grad (f)$&#10;&#10;\end{document}"/>
-  <p:tag name="IGUANATEXSIZE" val="20"/>
-  <p:tag name="IGUANATEXCURSOR" val="122"/>
-  <p:tag name="TRANSPARENCY" val="True"/>
-  <p:tag name="FILENAME" val=""/>
-  <p:tag name="LATEXENGINEID" val="4"/>
-  <p:tag name="TEMPFOLDER" val="c:\temp\"/>
-  <p:tag name="LATEXFORMHEIGHT" val="312"/>
-  <p:tag name="LATEXFORMWIDTH" val="384"/>
-  <p:tag name="LATEXFORMWRAP" val="True"/>
-  <p:tag name="BITMAPVECTOR" val="0"/>
-</p:tagLst>
-</file>
-
-<file path=ppt/tags/tag24.xml><?xml version="1.0" encoding="utf-8"?>
-<p:tagLst xmlns:a="http://schemas.openxmlformats.org/drawingml/2006/main" xmlns:r="http://schemas.openxmlformats.org/officeDocument/2006/relationships" xmlns:p="http://schemas.openxmlformats.org/presentationml/2006/main">
-  <p:tag name="OUTPUTDPI" val="1200"/>
   <p:tag name="ORIGINALHEIGHT" val="297.7916"/>
   <p:tag name="ORIGINALWIDTH" val="1409.447"/>
   <p:tag name="LATEXADDIN" val="\documentclass{article}&#10;\usepackage{amsmath}&#10;\pagestyle{empty}&#10;\begin{document}&#10;&#10;&#10;\[&#10;  W = \left(&#10;    \begin{array}{ccc}&#10;      w_{11} &amp; w_{12} &amp; w_{13} \\&#10;      w_{21} &amp; w_{22} &amp; w_{23} \\&#10;    \end{array}&#10;  \right)&#10;\]&#10;&#10;\end{document}"/>
@@ -16287,7 +15861,7 @@
 </p:tagLst>
 </file>
 
-<file path=ppt/tags/tag25.xml><?xml version="1.0" encoding="utf-8"?>
+<file path=ppt/tags/tag24.xml><?xml version="1.0" encoding="utf-8"?>
 <p:tagLst xmlns:a="http://schemas.openxmlformats.org/drawingml/2006/main" xmlns:r="http://schemas.openxmlformats.org/officeDocument/2006/relationships" xmlns:p="http://schemas.openxmlformats.org/presentationml/2006/main">
   <p:tag name="OUTPUTDPI" val="1200"/>
   <p:tag name="ORIGINALHEIGHT" val="703.5982"/>
@@ -16306,7 +15880,7 @@
 </p:tagLst>
 </file>
 
-<file path=ppt/tags/tag26.xml><?xml version="1.0" encoding="utf-8"?>
+<file path=ppt/tags/tag25.xml><?xml version="1.0" encoding="utf-8"?>
 <p:tagLst xmlns:a="http://schemas.openxmlformats.org/drawingml/2006/main" xmlns:r="http://schemas.openxmlformats.org/officeDocument/2006/relationships" xmlns:p="http://schemas.openxmlformats.org/presentationml/2006/main">
   <p:tag name="OUTPUTDPI" val="1200"/>
   <p:tag name="ORIGINALHEIGHT" val="109.5153"/>

--- a/ゼロから作るDeepLearning/4章-ニューラルネットワークの学習/発表資料/ゼロから作るdeeplearning第4章.pptx
+++ b/ゼロから作るDeepLearning/4章-ニューラルネットワークの学習/発表資料/ゼロから作るdeeplearning第4章.pptx
@@ -2376,7 +2376,7 @@
           <a:p>
             <a:fld id="{6F410624-7C5E-4564-8988-5D4DC79A743A}" type="datetimeFigureOut">
               <a:rPr kumimoji="1" lang="ja-JP" altLang="en-US" smtClean="0"/>
-              <a:t>2020/7/15</a:t>
+              <a:t>2020/7/16</a:t>
             </a:fld>
             <a:endParaRPr kumimoji="1" lang="ja-JP" altLang="en-US"/>
           </a:p>
@@ -2606,7 +2606,7 @@
           <a:p>
             <a:fld id="{6F410624-7C5E-4564-8988-5D4DC79A743A}" type="datetimeFigureOut">
               <a:rPr kumimoji="1" lang="ja-JP" altLang="en-US" smtClean="0"/>
-              <a:t>2020/7/15</a:t>
+              <a:t>2020/7/16</a:t>
             </a:fld>
             <a:endParaRPr kumimoji="1" lang="ja-JP" altLang="en-US"/>
           </a:p>
@@ -2846,7 +2846,7 @@
           <a:p>
             <a:fld id="{6F410624-7C5E-4564-8988-5D4DC79A743A}" type="datetimeFigureOut">
               <a:rPr kumimoji="1" lang="ja-JP" altLang="en-US" smtClean="0"/>
-              <a:t>2020/7/15</a:t>
+              <a:t>2020/7/16</a:t>
             </a:fld>
             <a:endParaRPr kumimoji="1" lang="ja-JP" altLang="en-US"/>
           </a:p>
@@ -3076,7 +3076,7 @@
           <a:p>
             <a:fld id="{6F410624-7C5E-4564-8988-5D4DC79A743A}" type="datetimeFigureOut">
               <a:rPr kumimoji="1" lang="ja-JP" altLang="en-US" smtClean="0"/>
-              <a:t>2020/7/15</a:t>
+              <a:t>2020/7/16</a:t>
             </a:fld>
             <a:endParaRPr kumimoji="1" lang="ja-JP" altLang="en-US"/>
           </a:p>
@@ -3351,7 +3351,7 @@
           <a:p>
             <a:fld id="{6F410624-7C5E-4564-8988-5D4DC79A743A}" type="datetimeFigureOut">
               <a:rPr kumimoji="1" lang="ja-JP" altLang="en-US" smtClean="0"/>
-              <a:t>2020/7/15</a:t>
+              <a:t>2020/7/16</a:t>
             </a:fld>
             <a:endParaRPr kumimoji="1" lang="ja-JP" altLang="en-US"/>
           </a:p>
@@ -3680,7 +3680,7 @@
           <a:p>
             <a:fld id="{6F410624-7C5E-4564-8988-5D4DC79A743A}" type="datetimeFigureOut">
               <a:rPr kumimoji="1" lang="ja-JP" altLang="en-US" smtClean="0"/>
-              <a:t>2020/7/15</a:t>
+              <a:t>2020/7/16</a:t>
             </a:fld>
             <a:endParaRPr kumimoji="1" lang="ja-JP" altLang="en-US"/>
           </a:p>
@@ -4156,7 +4156,7 @@
           <a:p>
             <a:fld id="{6F410624-7C5E-4564-8988-5D4DC79A743A}" type="datetimeFigureOut">
               <a:rPr kumimoji="1" lang="ja-JP" altLang="en-US" smtClean="0"/>
-              <a:t>2020/7/15</a:t>
+              <a:t>2020/7/16</a:t>
             </a:fld>
             <a:endParaRPr kumimoji="1" lang="ja-JP" altLang="en-US"/>
           </a:p>
@@ -4297,7 +4297,7 @@
           <a:p>
             <a:fld id="{6F410624-7C5E-4564-8988-5D4DC79A743A}" type="datetimeFigureOut">
               <a:rPr kumimoji="1" lang="ja-JP" altLang="en-US" smtClean="0"/>
-              <a:t>2020/7/15</a:t>
+              <a:t>2020/7/16</a:t>
             </a:fld>
             <a:endParaRPr kumimoji="1" lang="ja-JP" altLang="en-US"/>
           </a:p>
@@ -4410,7 +4410,7 @@
           <a:p>
             <a:fld id="{6F410624-7C5E-4564-8988-5D4DC79A743A}" type="datetimeFigureOut">
               <a:rPr kumimoji="1" lang="ja-JP" altLang="en-US" smtClean="0"/>
-              <a:t>2020/7/15</a:t>
+              <a:t>2020/7/16</a:t>
             </a:fld>
             <a:endParaRPr kumimoji="1" lang="ja-JP" altLang="en-US"/>
           </a:p>
@@ -4753,7 +4753,7 @@
           <a:p>
             <a:fld id="{6F410624-7C5E-4564-8988-5D4DC79A743A}" type="datetimeFigureOut">
               <a:rPr kumimoji="1" lang="ja-JP" altLang="en-US" smtClean="0"/>
-              <a:t>2020/7/15</a:t>
+              <a:t>2020/7/16</a:t>
             </a:fld>
             <a:endParaRPr kumimoji="1" lang="ja-JP" altLang="en-US"/>
           </a:p>
@@ -5041,7 +5041,7 @@
           <a:p>
             <a:fld id="{6F410624-7C5E-4564-8988-5D4DC79A743A}" type="datetimeFigureOut">
               <a:rPr kumimoji="1" lang="ja-JP" altLang="en-US" smtClean="0"/>
-              <a:t>2020/7/15</a:t>
+              <a:t>2020/7/16</a:t>
             </a:fld>
             <a:endParaRPr kumimoji="1" lang="ja-JP" altLang="en-US"/>
           </a:p>
@@ -5314,7 +5314,7 @@
           <a:p>
             <a:fld id="{6F410624-7C5E-4564-8988-5D4DC79A743A}" type="datetimeFigureOut">
               <a:rPr kumimoji="1" lang="ja-JP" altLang="en-US" smtClean="0"/>
-              <a:t>2020/7/15</a:t>
+              <a:t>2020/7/16</a:t>
             </a:fld>
             <a:endParaRPr kumimoji="1" lang="ja-JP" altLang="en-US"/>
           </a:p>
@@ -12770,77 +12770,6 @@
           </a:p>
         </p:txBody>
       </p:sp>
-      <p:sp>
-        <p:nvSpPr>
-          <p:cNvPr id="11" name="テキスト ボックス 10">
-            <a:extLst>
-              <a:ext uri="{FF2B5EF4-FFF2-40B4-BE49-F238E27FC236}">
-                <a16:creationId xmlns:a16="http://schemas.microsoft.com/office/drawing/2014/main" id="{2BC5E5C9-16F0-4CE6-98D4-1019CA124C1D}"/>
-              </a:ext>
-            </a:extLst>
-          </p:cNvPr>
-          <p:cNvSpPr txBox="1"/>
-          <p:nvPr/>
-        </p:nvSpPr>
-        <p:spPr>
-          <a:xfrm>
-            <a:off x="743689" y="5072614"/>
-            <a:ext cx="9288078" cy="836126"/>
-          </a:xfrm>
-          <a:prstGeom prst="rect">
-            <a:avLst/>
-          </a:prstGeom>
-          <a:noFill/>
-        </p:spPr>
-        <p:txBody>
-          <a:bodyPr wrap="square" rtlCol="0">
-            <a:spAutoFit/>
-          </a:bodyPr>
-          <a:lstStyle/>
-          <a:p>
-            <a:pPr>
-              <a:spcAft>
-                <a:spcPts val="1000"/>
-              </a:spcAft>
-            </a:pPr>
-            <a:r>
-              <a:rPr lang="ja-JP" altLang="en-US" sz="2000" dirty="0"/>
-              <a:t>・　今回はニューラルネットワークによるアプローチをする</a:t>
-            </a:r>
-            <a:r>
-              <a:rPr lang="en-US" altLang="ja-JP" sz="2000" dirty="0"/>
-              <a:t>.</a:t>
-            </a:r>
-          </a:p>
-          <a:p>
-            <a:pPr>
-              <a:spcAft>
-                <a:spcPts val="1000"/>
-              </a:spcAft>
-            </a:pPr>
-            <a:r>
-              <a:rPr lang="en-US" altLang="ja-JP" sz="2000" dirty="0"/>
-              <a:t>    </a:t>
-            </a:r>
-            <a:r>
-              <a:rPr lang="ja-JP" altLang="en-US" sz="2000" dirty="0"/>
-              <a:t>→　人が介在せず</a:t>
-            </a:r>
-            <a:r>
-              <a:rPr lang="en-US" altLang="ja-JP" sz="2000" dirty="0"/>
-              <a:t>, </a:t>
-            </a:r>
-            <a:r>
-              <a:rPr lang="ja-JP" altLang="en-US" sz="2000" dirty="0"/>
-              <a:t>更にすべての問題を同じ流れで解ける</a:t>
-            </a:r>
-            <a:r>
-              <a:rPr lang="en-US" altLang="ja-JP" sz="2000" dirty="0"/>
-              <a:t>.</a:t>
-            </a:r>
-          </a:p>
-        </p:txBody>
-      </p:sp>
     </p:spTree>
     <p:extLst>
       <p:ext uri="{BB962C8B-B14F-4D97-AF65-F5344CB8AC3E}">
@@ -13778,7 +13707,7 @@
                 </a:solidFill>
                 <a:latin typeface="Consolas" panose="020B0609020204030204" pitchFamily="49" charset="0"/>
               </a:rPr>
-              <a:t>mean_squared_errpr</a:t>
+              <a:t>mean_squared_error</a:t>
             </a:r>
             <a:r>
               <a:rPr lang="en-US" altLang="ja-JP" dirty="0">
@@ -14179,7 +14108,7 @@
                 </a:solidFill>
                 <a:latin typeface="Consolas" panose="020B0609020204030204" pitchFamily="49" charset="0"/>
               </a:rPr>
-              <a:t>mean_squared_errpr</a:t>
+              <a:t>mean_squared_error</a:t>
             </a:r>
             <a:r>
               <a:rPr lang="en-US" altLang="ja-JP" dirty="0">
@@ -14346,7 +14275,7 @@
                 </a:solidFill>
                 <a:latin typeface="Consolas" panose="020B0609020204030204" pitchFamily="49" charset="0"/>
               </a:rPr>
-              <a:t>mean_squared_errpr</a:t>
+              <a:t>mean_squared_error</a:t>
             </a:r>
             <a:r>
               <a:rPr lang="en-US" altLang="ja-JP" dirty="0">

--- a/ゼロから作るDeepLearning/4章-ニューラルネットワークの学習/発表資料/ゼロから作るdeeplearning第4章.pptx
+++ b/ゼロから作るDeepLearning/4章-ニューラルネットワークの学習/発表資料/ゼロから作るdeeplearning第4章.pptx
@@ -2376,7 +2376,7 @@
           <a:p>
             <a:fld id="{6F410624-7C5E-4564-8988-5D4DC79A743A}" type="datetimeFigureOut">
               <a:rPr kumimoji="1" lang="ja-JP" altLang="en-US" smtClean="0"/>
-              <a:t>2020/7/16</a:t>
+              <a:t>2020/7/17</a:t>
             </a:fld>
             <a:endParaRPr kumimoji="1" lang="ja-JP" altLang="en-US"/>
           </a:p>
@@ -2606,7 +2606,7 @@
           <a:p>
             <a:fld id="{6F410624-7C5E-4564-8988-5D4DC79A743A}" type="datetimeFigureOut">
               <a:rPr kumimoji="1" lang="ja-JP" altLang="en-US" smtClean="0"/>
-              <a:t>2020/7/16</a:t>
+              <a:t>2020/7/17</a:t>
             </a:fld>
             <a:endParaRPr kumimoji="1" lang="ja-JP" altLang="en-US"/>
           </a:p>
@@ -2846,7 +2846,7 @@
           <a:p>
             <a:fld id="{6F410624-7C5E-4564-8988-5D4DC79A743A}" type="datetimeFigureOut">
               <a:rPr kumimoji="1" lang="ja-JP" altLang="en-US" smtClean="0"/>
-              <a:t>2020/7/16</a:t>
+              <a:t>2020/7/17</a:t>
             </a:fld>
             <a:endParaRPr kumimoji="1" lang="ja-JP" altLang="en-US"/>
           </a:p>
@@ -3076,7 +3076,7 @@
           <a:p>
             <a:fld id="{6F410624-7C5E-4564-8988-5D4DC79A743A}" type="datetimeFigureOut">
               <a:rPr kumimoji="1" lang="ja-JP" altLang="en-US" smtClean="0"/>
-              <a:t>2020/7/16</a:t>
+              <a:t>2020/7/17</a:t>
             </a:fld>
             <a:endParaRPr kumimoji="1" lang="ja-JP" altLang="en-US"/>
           </a:p>
@@ -3351,7 +3351,7 @@
           <a:p>
             <a:fld id="{6F410624-7C5E-4564-8988-5D4DC79A743A}" type="datetimeFigureOut">
               <a:rPr kumimoji="1" lang="ja-JP" altLang="en-US" smtClean="0"/>
-              <a:t>2020/7/16</a:t>
+              <a:t>2020/7/17</a:t>
             </a:fld>
             <a:endParaRPr kumimoji="1" lang="ja-JP" altLang="en-US"/>
           </a:p>
@@ -3680,7 +3680,7 @@
           <a:p>
             <a:fld id="{6F410624-7C5E-4564-8988-5D4DC79A743A}" type="datetimeFigureOut">
               <a:rPr kumimoji="1" lang="ja-JP" altLang="en-US" smtClean="0"/>
-              <a:t>2020/7/16</a:t>
+              <a:t>2020/7/17</a:t>
             </a:fld>
             <a:endParaRPr kumimoji="1" lang="ja-JP" altLang="en-US"/>
           </a:p>
@@ -4156,7 +4156,7 @@
           <a:p>
             <a:fld id="{6F410624-7C5E-4564-8988-5D4DC79A743A}" type="datetimeFigureOut">
               <a:rPr kumimoji="1" lang="ja-JP" altLang="en-US" smtClean="0"/>
-              <a:t>2020/7/16</a:t>
+              <a:t>2020/7/17</a:t>
             </a:fld>
             <a:endParaRPr kumimoji="1" lang="ja-JP" altLang="en-US"/>
           </a:p>
@@ -4297,7 +4297,7 @@
           <a:p>
             <a:fld id="{6F410624-7C5E-4564-8988-5D4DC79A743A}" type="datetimeFigureOut">
               <a:rPr kumimoji="1" lang="ja-JP" altLang="en-US" smtClean="0"/>
-              <a:t>2020/7/16</a:t>
+              <a:t>2020/7/17</a:t>
             </a:fld>
             <a:endParaRPr kumimoji="1" lang="ja-JP" altLang="en-US"/>
           </a:p>
@@ -4410,7 +4410,7 @@
           <a:p>
             <a:fld id="{6F410624-7C5E-4564-8988-5D4DC79A743A}" type="datetimeFigureOut">
               <a:rPr kumimoji="1" lang="ja-JP" altLang="en-US" smtClean="0"/>
-              <a:t>2020/7/16</a:t>
+              <a:t>2020/7/17</a:t>
             </a:fld>
             <a:endParaRPr kumimoji="1" lang="ja-JP" altLang="en-US"/>
           </a:p>
@@ -4753,7 +4753,7 @@
           <a:p>
             <a:fld id="{6F410624-7C5E-4564-8988-5D4DC79A743A}" type="datetimeFigureOut">
               <a:rPr kumimoji="1" lang="ja-JP" altLang="en-US" smtClean="0"/>
-              <a:t>2020/7/16</a:t>
+              <a:t>2020/7/17</a:t>
             </a:fld>
             <a:endParaRPr kumimoji="1" lang="ja-JP" altLang="en-US"/>
           </a:p>
@@ -5041,7 +5041,7 @@
           <a:p>
             <a:fld id="{6F410624-7C5E-4564-8988-5D4DC79A743A}" type="datetimeFigureOut">
               <a:rPr kumimoji="1" lang="ja-JP" altLang="en-US" smtClean="0"/>
-              <a:t>2020/7/16</a:t>
+              <a:t>2020/7/17</a:t>
             </a:fld>
             <a:endParaRPr kumimoji="1" lang="ja-JP" altLang="en-US"/>
           </a:p>
@@ -5314,7 +5314,7 @@
           <a:p>
             <a:fld id="{6F410624-7C5E-4564-8988-5D4DC79A743A}" type="datetimeFigureOut">
               <a:rPr kumimoji="1" lang="ja-JP" altLang="en-US" smtClean="0"/>
-              <a:t>2020/7/16</a:t>
+              <a:t>2020/7/17</a:t>
             </a:fld>
             <a:endParaRPr kumimoji="1" lang="ja-JP" altLang="en-US"/>
           </a:p>
@@ -7147,10 +7147,10 @@
       </mc:AlternateContent>
       <p:pic>
         <p:nvPicPr>
-          <p:cNvPr id="14" name="図 13">
-            <a:extLst>
-              <a:ext uri="{FF2B5EF4-FFF2-40B4-BE49-F238E27FC236}">
-                <a16:creationId xmlns:a16="http://schemas.microsoft.com/office/drawing/2014/main" id="{E2C4B396-5C90-46D5-B881-529AD2F1712C}"/>
+          <p:cNvPr id="8" name="図 7">
+            <a:extLst>
+              <a:ext uri="{FF2B5EF4-FFF2-40B4-BE49-F238E27FC236}">
+                <a16:creationId xmlns:a16="http://schemas.microsoft.com/office/drawing/2014/main" id="{97EE55DE-F5D2-43A3-B1B7-FC1A7CCEE5BF}"/>
               </a:ext>
             </a:extLst>
           </p:cNvPr>
@@ -7177,8 +7177,8 @@
         </p:blipFill>
         <p:spPr>
           <a:xfrm>
-            <a:off x="4270480" y="2878756"/>
-            <a:ext cx="3132259" cy="536523"/>
+            <a:off x="4270480" y="2878757"/>
+            <a:ext cx="3130735" cy="536523"/>
           </a:xfrm>
           <a:prstGeom prst="rect">
             <a:avLst/>
@@ -7228,10 +7228,10 @@
       </p:sp>
       <p:pic>
         <p:nvPicPr>
-          <p:cNvPr id="23" name="図 22">
-            <a:extLst>
-              <a:ext uri="{FF2B5EF4-FFF2-40B4-BE49-F238E27FC236}">
-                <a16:creationId xmlns:a16="http://schemas.microsoft.com/office/drawing/2014/main" id="{24CC89BB-01FE-43E1-A91B-E87484CF6AF3}"/>
+          <p:cNvPr id="10" name="図 9">
+            <a:extLst>
+              <a:ext uri="{FF2B5EF4-FFF2-40B4-BE49-F238E27FC236}">
+                <a16:creationId xmlns:a16="http://schemas.microsoft.com/office/drawing/2014/main" id="{73657D1E-DCF2-42BE-8052-6928A9072B2A}"/>
               </a:ext>
             </a:extLst>
           </p:cNvPr>
@@ -7259,7 +7259,7 @@
         <p:spPr>
           <a:xfrm>
             <a:off x="4502160" y="5245403"/>
-            <a:ext cx="2668897" cy="536523"/>
+            <a:ext cx="2668898" cy="536523"/>
           </a:xfrm>
           <a:prstGeom prst="rect">
             <a:avLst/>
@@ -8164,10 +8164,10 @@
       </p:sp>
       <p:pic>
         <p:nvPicPr>
-          <p:cNvPr id="8" name="図 7">
-            <a:extLst>
-              <a:ext uri="{FF2B5EF4-FFF2-40B4-BE49-F238E27FC236}">
-                <a16:creationId xmlns:a16="http://schemas.microsoft.com/office/drawing/2014/main" id="{B381E3C6-A2E4-4124-B2B3-33C8A4EB50EF}"/>
+          <p:cNvPr id="6" name="図 5">
+            <a:extLst>
+              <a:ext uri="{FF2B5EF4-FFF2-40B4-BE49-F238E27FC236}">
+                <a16:creationId xmlns:a16="http://schemas.microsoft.com/office/drawing/2014/main" id="{B95C8336-0A7A-4F9F-8721-0E2B4F4910C8}"/>
               </a:ext>
             </a:extLst>
           </p:cNvPr>
@@ -8195,7 +8195,7 @@
         <p:spPr>
           <a:xfrm>
             <a:off x="1948872" y="3493485"/>
-            <a:ext cx="3874546" cy="576152"/>
+            <a:ext cx="3987338" cy="576152"/>
           </a:xfrm>
           <a:prstGeom prst="rect">
             <a:avLst/>
@@ -8204,10 +8204,10 @@
       </p:pic>
       <p:pic>
         <p:nvPicPr>
-          <p:cNvPr id="11" name="図 10">
-            <a:extLst>
-              <a:ext uri="{FF2B5EF4-FFF2-40B4-BE49-F238E27FC236}">
-                <a16:creationId xmlns:a16="http://schemas.microsoft.com/office/drawing/2014/main" id="{F150D0ED-689E-4C6F-86CF-797D9DE9DD1C}"/>
+          <p:cNvPr id="9" name="図 8">
+            <a:extLst>
+              <a:ext uri="{FF2B5EF4-FFF2-40B4-BE49-F238E27FC236}">
+                <a16:creationId xmlns:a16="http://schemas.microsoft.com/office/drawing/2014/main" id="{95D62D81-79C4-495E-850D-8D7F078FD389}"/>
               </a:ext>
             </a:extLst>
           </p:cNvPr>
@@ -8235,7 +8235,7 @@
         <p:spPr>
           <a:xfrm>
             <a:off x="6368582" y="3503746"/>
-            <a:ext cx="3874546" cy="571579"/>
+            <a:ext cx="3987338" cy="571579"/>
           </a:xfrm>
           <a:prstGeom prst="rect">
             <a:avLst/>
@@ -14943,10 +14943,10 @@
       </mc:AlternateContent>
       <p:pic>
         <p:nvPicPr>
-          <p:cNvPr id="21" name="図 20">
-            <a:extLst>
-              <a:ext uri="{FF2B5EF4-FFF2-40B4-BE49-F238E27FC236}">
-                <a16:creationId xmlns:a16="http://schemas.microsoft.com/office/drawing/2014/main" id="{7B613BE4-FDC5-42E9-BAEF-111890749F20}"/>
+          <p:cNvPr id="5" name="図 4">
+            <a:extLst>
+              <a:ext uri="{FF2B5EF4-FFF2-40B4-BE49-F238E27FC236}">
+                <a16:creationId xmlns:a16="http://schemas.microsoft.com/office/drawing/2014/main" id="{B2D715D5-E1A0-4CD0-83D9-3BF731EB7AD6}"/>
               </a:ext>
             </a:extLst>
           </p:cNvPr>
@@ -14974,7 +14974,7 @@
         <p:spPr>
           <a:xfrm>
             <a:off x="5335183" y="3045504"/>
-            <a:ext cx="1202604" cy="253019"/>
+            <a:ext cx="1441906" cy="253019"/>
           </a:xfrm>
           <a:prstGeom prst="rect">
             <a:avLst/>
@@ -15547,14 +15547,14 @@
 <p:tagLst xmlns:a="http://schemas.openxmlformats.org/drawingml/2006/main" xmlns:r="http://schemas.openxmlformats.org/officeDocument/2006/relationships" xmlns:p="http://schemas.openxmlformats.org/presentationml/2006/main">
   <p:tag name="OUTPUTDPI" val="1200"/>
   <p:tag name="ORIGINALHEIGHT" val="264.0369"/>
-  <p:tag name="ORIGINALWIDTH" val="1541.465"/>
-  <p:tag name="LATEXADDIN" val="\documentclass{article}&#10;\usepackage{amsmath}&#10;\pagestyle{empty}&#10;\begin{document}&#10;&#10;&#10;$\displaystyle f'(x)=\lim_{h\to 0}\dfrac{f(x+h)-f(h)}{h}$&#10;&#10;\end{document}"/>
+  <p:tag name="ORIGINALWIDTH" val="1540.715"/>
+  <p:tag name="LATEXADDIN" val="\documentclass{article}&#10;\usepackage{amsmath}&#10;\pagestyle{empty}&#10;\begin{document}&#10;&#10;&#10;$\displaystyle f'(x)=\lim_{h\to 0}\dfrac{f(x+h)-f(x)}{h}$&#10;&#10;\end{document}"/>
   <p:tag name="IGUANATEXSIZE" val="20"/>
-  <p:tag name="IGUANATEXCURSOR" val="103"/>
+  <p:tag name="IGUANATEXCURSOR" val="133"/>
   <p:tag name="TRANSPARENCY" val="True"/>
   <p:tag name="FILENAME" val=""/>
   <p:tag name="LATEXENGINEID" val="4"/>
-  <p:tag name="TEMPFOLDER" val="c:\temp\"/>
+  <p:tag name="TEMPFOLDER" val="C:\temp\"/>
   <p:tag name="LATEXFORMHEIGHT" val="312"/>
   <p:tag name="LATEXFORMWIDTH" val="384"/>
   <p:tag name="LATEXFORMWRAP" val="True"/>
@@ -15567,13 +15567,13 @@
   <p:tag name="OUTPUTDPI" val="1200"/>
   <p:tag name="ORIGINALHEIGHT" val="264.0369"/>
   <p:tag name="ORIGINALWIDTH" val="1313.433"/>
-  <p:tag name="LATEXADDIN" val="\documentclass{article}&#10;\usepackage{amsmath}&#10;\pagestyle{empty}&#10;\begin{document}&#10;&#10;&#10;$$\displaystyle f'(x)=\dfrac{f(x+h)-f(h)}{h}$$&#10;&#10;\end{document}"/>
+  <p:tag name="LATEXADDIN" val="\documentclass{article}&#10;\usepackage{amsmath}&#10;\pagestyle{empty}&#10;\begin{document}&#10;&#10;&#10;$$\displaystyle f'(x)=\dfrac{f(x+h)-f(x)}{h}$$&#10;&#10;\end{document}"/>
   <p:tag name="IGUANATEXSIZE" val="20"/>
-  <p:tag name="IGUANATEXCURSOR" val="104"/>
+  <p:tag name="IGUANATEXCURSOR" val="121"/>
   <p:tag name="TRANSPARENCY" val="True"/>
   <p:tag name="FILENAME" val=""/>
   <p:tag name="LATEXENGINEID" val="4"/>
-  <p:tag name="TEMPFOLDER" val="c:\temp\"/>
+  <p:tag name="TEMPFOLDER" val="C:\temp\"/>
   <p:tag name="LATEXFORMHEIGHT" val="312"/>
   <p:tag name="LATEXFORMWIDTH" val="384"/>
   <p:tag name="LATEXFORMWRAP" val="True"/>
@@ -15661,14 +15661,14 @@
 <p:tagLst xmlns:a="http://schemas.openxmlformats.org/drawingml/2006/main" xmlns:r="http://schemas.openxmlformats.org/officeDocument/2006/relationships" xmlns:p="http://schemas.openxmlformats.org/presentationml/2006/main">
   <p:tag name="OUTPUTDPI" val="1200"/>
   <p:tag name="ORIGINALHEIGHT" val="283.5396"/>
-  <p:tag name="ORIGINALWIDTH" val="1906.766"/>
-  <p:tag name="LATEXADDIN" val="\documentclass{article}&#10;\usepackage{amsmath}&#10;\pagestyle{empty}&#10;\begin{document}&#10;&#10;&#10;$\displaystyle\dfrac{\partial f}{\partial x_0}=\lim_{h\to 0}\dfrac{f(x_0+h,x_1)-f(h,x_1)}{h}$&#10;&#10;\end{document}"/>
+  <p:tag name="ORIGINALWIDTH" val="1962.274"/>
+  <p:tag name="LATEXADDIN" val="\documentclass{article}&#10;\usepackage{amsmath}&#10;\pagestyle{empty}&#10;\begin{document}&#10;&#10;&#10;$\displaystyle\dfrac{\partial f}{\partial x_0}=\lim_{h\to 0}\dfrac{f(x_0+h,x_1)-f(x_0,x_1)}{h}$&#10;&#10;\end{document}"/>
   <p:tag name="IGUANATEXSIZE" val="20"/>
-  <p:tag name="IGUANATEXCURSOR" val="154"/>
+  <p:tag name="IGUANATEXCURSOR" val="167"/>
   <p:tag name="TRANSPARENCY" val="True"/>
   <p:tag name="FILENAME" val=""/>
   <p:tag name="LATEXENGINEID" val="4"/>
-  <p:tag name="TEMPFOLDER" val="c:\temp\"/>
+  <p:tag name="TEMPFOLDER" val="C:\temp\"/>
   <p:tag name="LATEXFORMHEIGHT" val="312"/>
   <p:tag name="LATEXFORMWIDTH" val="384"/>
   <p:tag name="LATEXFORMWRAP" val="True"/>
@@ -15680,14 +15680,14 @@
 <p:tagLst xmlns:a="http://schemas.openxmlformats.org/drawingml/2006/main" xmlns:r="http://schemas.openxmlformats.org/officeDocument/2006/relationships" xmlns:p="http://schemas.openxmlformats.org/presentationml/2006/main">
   <p:tag name="OUTPUTDPI" val="1200"/>
   <p:tag name="ORIGINALHEIGHT" val="281.2893"/>
-  <p:tag name="ORIGINALWIDTH" val="1906.766"/>
-  <p:tag name="LATEXADDIN" val="\documentclass{article}&#10;\usepackage{amsmath}&#10;\pagestyle{empty}&#10;\begin{document}&#10;&#10;&#10;$\displaystyle\dfrac{\partial f}{\partial x_1}=\lim_{h\to 0}\dfrac{f(x_0,x_1+h)-f(x_0,h)}{h}$&#10;&#10;\end{document}"/>
+  <p:tag name="ORIGINALWIDTH" val="1962.274"/>
+  <p:tag name="LATEXADDIN" val="\documentclass{article}&#10;\usepackage{amsmath}&#10;\pagestyle{empty}&#10;\begin{document}&#10;&#10;&#10;$\displaystyle\dfrac{\partial f}{\partial x_1}=\lim_{h\to 0}\dfrac{f(x_0,x_1+h)-f(x_0,x_1)}{h}$&#10;&#10;\end{document}"/>
   <p:tag name="IGUANATEXSIZE" val="20"/>
-  <p:tag name="IGUANATEXCURSOR" val="127"/>
+  <p:tag name="IGUANATEXCURSOR" val="171"/>
   <p:tag name="TRANSPARENCY" val="True"/>
   <p:tag name="FILENAME" val=""/>
   <p:tag name="LATEXENGINEID" val="4"/>
-  <p:tag name="TEMPFOLDER" val="c:\temp\"/>
+  <p:tag name="TEMPFOLDER" val="C:\temp\"/>
   <p:tag name="LATEXFORMHEIGHT" val="312"/>
   <p:tag name="LATEXFORMWIDTH" val="384"/>
   <p:tag name="LATEXFORMWRAP" val="True"/>
@@ -15908,14 +15908,14 @@
 <p:tagLst xmlns:a="http://schemas.openxmlformats.org/drawingml/2006/main" xmlns:r="http://schemas.openxmlformats.org/officeDocument/2006/relationships" xmlns:p="http://schemas.openxmlformats.org/presentationml/2006/main">
   <p:tag name="OUTPUTDPI" val="1200"/>
   <p:tag name="ORIGINALHEIGHT" val="124.5174"/>
-  <p:tag name="ORIGINALWIDTH" val="591.8326"/>
-  <p:tag name="LATEXADDIN" val="\documentclass{article}&#10;\usepackage{amsmath}&#10;\pagestyle{empty}&#10;\begin{document}&#10;&#10;&#10;$E=\log(t_i)$&#10;&#10;\end{document}"/>
+  <p:tag name="ORIGINALWIDTH" val="709.5991"/>
+  <p:tag name="LATEXADDIN" val="\documentclass{article}&#10;\usepackage{amsmath}&#10;\pagestyle{empty}&#10;\begin{document}&#10;&#10;&#10;$E=-\log(t_i)$&#10;&#10;\end{document}"/>
   <p:tag name="IGUANATEXSIZE" val="20"/>
-  <p:tag name="IGUANATEXCURSOR" val="83"/>
+  <p:tag name="IGUANATEXCURSOR" val="86"/>
   <p:tag name="TRANSPARENCY" val="True"/>
   <p:tag name="FILENAME" val=""/>
   <p:tag name="LATEXENGINEID" val="4"/>
-  <p:tag name="TEMPFOLDER" val="c:\temp\"/>
+  <p:tag name="TEMPFOLDER" val="C:\temp\"/>
   <p:tag name="LATEXFORMHEIGHT" val="312"/>
   <p:tag name="LATEXFORMWIDTH" val="384"/>
   <p:tag name="LATEXFORMWRAP" val="True"/>

--- a/ゼロから作るDeepLearning/4章-ニューラルネットワークの学習/発表資料/ゼロから作るdeeplearning第4章.pptx
+++ b/ゼロから作るDeepLearning/4章-ニューラルネットワークの学習/発表資料/ゼロから作るdeeplearning第4章.pptx
@@ -2376,7 +2376,7 @@
           <a:p>
             <a:fld id="{6F410624-7C5E-4564-8988-5D4DC79A743A}" type="datetimeFigureOut">
               <a:rPr kumimoji="1" lang="ja-JP" altLang="en-US" smtClean="0"/>
-              <a:t>2020/7/17</a:t>
+              <a:t>2020/7/16</a:t>
             </a:fld>
             <a:endParaRPr kumimoji="1" lang="ja-JP" altLang="en-US"/>
           </a:p>
@@ -2606,7 +2606,7 @@
           <a:p>
             <a:fld id="{6F410624-7C5E-4564-8988-5D4DC79A743A}" type="datetimeFigureOut">
               <a:rPr kumimoji="1" lang="ja-JP" altLang="en-US" smtClean="0"/>
-              <a:t>2020/7/17</a:t>
+              <a:t>2020/7/16</a:t>
             </a:fld>
             <a:endParaRPr kumimoji="1" lang="ja-JP" altLang="en-US"/>
           </a:p>
@@ -2846,7 +2846,7 @@
           <a:p>
             <a:fld id="{6F410624-7C5E-4564-8988-5D4DC79A743A}" type="datetimeFigureOut">
               <a:rPr kumimoji="1" lang="ja-JP" altLang="en-US" smtClean="0"/>
-              <a:t>2020/7/17</a:t>
+              <a:t>2020/7/16</a:t>
             </a:fld>
             <a:endParaRPr kumimoji="1" lang="ja-JP" altLang="en-US"/>
           </a:p>
@@ -3076,7 +3076,7 @@
           <a:p>
             <a:fld id="{6F410624-7C5E-4564-8988-5D4DC79A743A}" type="datetimeFigureOut">
               <a:rPr kumimoji="1" lang="ja-JP" altLang="en-US" smtClean="0"/>
-              <a:t>2020/7/17</a:t>
+              <a:t>2020/7/16</a:t>
             </a:fld>
             <a:endParaRPr kumimoji="1" lang="ja-JP" altLang="en-US"/>
           </a:p>
@@ -3351,7 +3351,7 @@
           <a:p>
             <a:fld id="{6F410624-7C5E-4564-8988-5D4DC79A743A}" type="datetimeFigureOut">
               <a:rPr kumimoji="1" lang="ja-JP" altLang="en-US" smtClean="0"/>
-              <a:t>2020/7/17</a:t>
+              <a:t>2020/7/16</a:t>
             </a:fld>
             <a:endParaRPr kumimoji="1" lang="ja-JP" altLang="en-US"/>
           </a:p>
@@ -3680,7 +3680,7 @@
           <a:p>
             <a:fld id="{6F410624-7C5E-4564-8988-5D4DC79A743A}" type="datetimeFigureOut">
               <a:rPr kumimoji="1" lang="ja-JP" altLang="en-US" smtClean="0"/>
-              <a:t>2020/7/17</a:t>
+              <a:t>2020/7/16</a:t>
             </a:fld>
             <a:endParaRPr kumimoji="1" lang="ja-JP" altLang="en-US"/>
           </a:p>
@@ -4156,7 +4156,7 @@
           <a:p>
             <a:fld id="{6F410624-7C5E-4564-8988-5D4DC79A743A}" type="datetimeFigureOut">
               <a:rPr kumimoji="1" lang="ja-JP" altLang="en-US" smtClean="0"/>
-              <a:t>2020/7/17</a:t>
+              <a:t>2020/7/16</a:t>
             </a:fld>
             <a:endParaRPr kumimoji="1" lang="ja-JP" altLang="en-US"/>
           </a:p>
@@ -4297,7 +4297,7 @@
           <a:p>
             <a:fld id="{6F410624-7C5E-4564-8988-5D4DC79A743A}" type="datetimeFigureOut">
               <a:rPr kumimoji="1" lang="ja-JP" altLang="en-US" smtClean="0"/>
-              <a:t>2020/7/17</a:t>
+              <a:t>2020/7/16</a:t>
             </a:fld>
             <a:endParaRPr kumimoji="1" lang="ja-JP" altLang="en-US"/>
           </a:p>
@@ -4410,7 +4410,7 @@
           <a:p>
             <a:fld id="{6F410624-7C5E-4564-8988-5D4DC79A743A}" type="datetimeFigureOut">
               <a:rPr kumimoji="1" lang="ja-JP" altLang="en-US" smtClean="0"/>
-              <a:t>2020/7/17</a:t>
+              <a:t>2020/7/16</a:t>
             </a:fld>
             <a:endParaRPr kumimoji="1" lang="ja-JP" altLang="en-US"/>
           </a:p>
@@ -4753,7 +4753,7 @@
           <a:p>
             <a:fld id="{6F410624-7C5E-4564-8988-5D4DC79A743A}" type="datetimeFigureOut">
               <a:rPr kumimoji="1" lang="ja-JP" altLang="en-US" smtClean="0"/>
-              <a:t>2020/7/17</a:t>
+              <a:t>2020/7/16</a:t>
             </a:fld>
             <a:endParaRPr kumimoji="1" lang="ja-JP" altLang="en-US"/>
           </a:p>
@@ -5041,7 +5041,7 @@
           <a:p>
             <a:fld id="{6F410624-7C5E-4564-8988-5D4DC79A743A}" type="datetimeFigureOut">
               <a:rPr kumimoji="1" lang="ja-JP" altLang="en-US" smtClean="0"/>
-              <a:t>2020/7/17</a:t>
+              <a:t>2020/7/16</a:t>
             </a:fld>
             <a:endParaRPr kumimoji="1" lang="ja-JP" altLang="en-US"/>
           </a:p>
@@ -5314,7 +5314,7 @@
           <a:p>
             <a:fld id="{6F410624-7C5E-4564-8988-5D4DC79A743A}" type="datetimeFigureOut">
               <a:rPr kumimoji="1" lang="ja-JP" altLang="en-US" smtClean="0"/>
-              <a:t>2020/7/17</a:t>
+              <a:t>2020/7/16</a:t>
             </a:fld>
             <a:endParaRPr kumimoji="1" lang="ja-JP" altLang="en-US"/>
           </a:p>
@@ -7147,10 +7147,10 @@
       </mc:AlternateContent>
       <p:pic>
         <p:nvPicPr>
-          <p:cNvPr id="8" name="図 7">
-            <a:extLst>
-              <a:ext uri="{FF2B5EF4-FFF2-40B4-BE49-F238E27FC236}">
-                <a16:creationId xmlns:a16="http://schemas.microsoft.com/office/drawing/2014/main" id="{97EE55DE-F5D2-43A3-B1B7-FC1A7CCEE5BF}"/>
+          <p:cNvPr id="14" name="図 13">
+            <a:extLst>
+              <a:ext uri="{FF2B5EF4-FFF2-40B4-BE49-F238E27FC236}">
+                <a16:creationId xmlns:a16="http://schemas.microsoft.com/office/drawing/2014/main" id="{E2C4B396-5C90-46D5-B881-529AD2F1712C}"/>
               </a:ext>
             </a:extLst>
           </p:cNvPr>
@@ -7177,8 +7177,8 @@
         </p:blipFill>
         <p:spPr>
           <a:xfrm>
-            <a:off x="4270480" y="2878757"/>
-            <a:ext cx="3130735" cy="536523"/>
+            <a:off x="4270480" y="2878756"/>
+            <a:ext cx="3132259" cy="536523"/>
           </a:xfrm>
           <a:prstGeom prst="rect">
             <a:avLst/>
@@ -7228,10 +7228,10 @@
       </p:sp>
       <p:pic>
         <p:nvPicPr>
-          <p:cNvPr id="10" name="図 9">
-            <a:extLst>
-              <a:ext uri="{FF2B5EF4-FFF2-40B4-BE49-F238E27FC236}">
-                <a16:creationId xmlns:a16="http://schemas.microsoft.com/office/drawing/2014/main" id="{73657D1E-DCF2-42BE-8052-6928A9072B2A}"/>
+          <p:cNvPr id="23" name="図 22">
+            <a:extLst>
+              <a:ext uri="{FF2B5EF4-FFF2-40B4-BE49-F238E27FC236}">
+                <a16:creationId xmlns:a16="http://schemas.microsoft.com/office/drawing/2014/main" id="{24CC89BB-01FE-43E1-A91B-E87484CF6AF3}"/>
               </a:ext>
             </a:extLst>
           </p:cNvPr>
@@ -7259,7 +7259,7 @@
         <p:spPr>
           <a:xfrm>
             <a:off x="4502160" y="5245403"/>
-            <a:ext cx="2668898" cy="536523"/>
+            <a:ext cx="2668897" cy="536523"/>
           </a:xfrm>
           <a:prstGeom prst="rect">
             <a:avLst/>
@@ -8164,10 +8164,10 @@
       </p:sp>
       <p:pic>
         <p:nvPicPr>
-          <p:cNvPr id="6" name="図 5">
-            <a:extLst>
-              <a:ext uri="{FF2B5EF4-FFF2-40B4-BE49-F238E27FC236}">
-                <a16:creationId xmlns:a16="http://schemas.microsoft.com/office/drawing/2014/main" id="{B95C8336-0A7A-4F9F-8721-0E2B4F4910C8}"/>
+          <p:cNvPr id="8" name="図 7">
+            <a:extLst>
+              <a:ext uri="{FF2B5EF4-FFF2-40B4-BE49-F238E27FC236}">
+                <a16:creationId xmlns:a16="http://schemas.microsoft.com/office/drawing/2014/main" id="{B381E3C6-A2E4-4124-B2B3-33C8A4EB50EF}"/>
               </a:ext>
             </a:extLst>
           </p:cNvPr>
@@ -8195,7 +8195,7 @@
         <p:spPr>
           <a:xfrm>
             <a:off x="1948872" y="3493485"/>
-            <a:ext cx="3987338" cy="576152"/>
+            <a:ext cx="3874546" cy="576152"/>
           </a:xfrm>
           <a:prstGeom prst="rect">
             <a:avLst/>
@@ -8204,10 +8204,10 @@
       </p:pic>
       <p:pic>
         <p:nvPicPr>
-          <p:cNvPr id="9" name="図 8">
-            <a:extLst>
-              <a:ext uri="{FF2B5EF4-FFF2-40B4-BE49-F238E27FC236}">
-                <a16:creationId xmlns:a16="http://schemas.microsoft.com/office/drawing/2014/main" id="{95D62D81-79C4-495E-850D-8D7F078FD389}"/>
+          <p:cNvPr id="11" name="図 10">
+            <a:extLst>
+              <a:ext uri="{FF2B5EF4-FFF2-40B4-BE49-F238E27FC236}">
+                <a16:creationId xmlns:a16="http://schemas.microsoft.com/office/drawing/2014/main" id="{F150D0ED-689E-4C6F-86CF-797D9DE9DD1C}"/>
               </a:ext>
             </a:extLst>
           </p:cNvPr>
@@ -8235,7 +8235,7 @@
         <p:spPr>
           <a:xfrm>
             <a:off x="6368582" y="3503746"/>
-            <a:ext cx="3987338" cy="571579"/>
+            <a:ext cx="3874546" cy="571579"/>
           </a:xfrm>
           <a:prstGeom prst="rect">
             <a:avLst/>
@@ -14943,10 +14943,10 @@
       </mc:AlternateContent>
       <p:pic>
         <p:nvPicPr>
-          <p:cNvPr id="5" name="図 4">
-            <a:extLst>
-              <a:ext uri="{FF2B5EF4-FFF2-40B4-BE49-F238E27FC236}">
-                <a16:creationId xmlns:a16="http://schemas.microsoft.com/office/drawing/2014/main" id="{B2D715D5-E1A0-4CD0-83D9-3BF731EB7AD6}"/>
+          <p:cNvPr id="21" name="図 20">
+            <a:extLst>
+              <a:ext uri="{FF2B5EF4-FFF2-40B4-BE49-F238E27FC236}">
+                <a16:creationId xmlns:a16="http://schemas.microsoft.com/office/drawing/2014/main" id="{7B613BE4-FDC5-42E9-BAEF-111890749F20}"/>
               </a:ext>
             </a:extLst>
           </p:cNvPr>
@@ -14974,7 +14974,7 @@
         <p:spPr>
           <a:xfrm>
             <a:off x="5335183" y="3045504"/>
-            <a:ext cx="1441906" cy="253019"/>
+            <a:ext cx="1202604" cy="253019"/>
           </a:xfrm>
           <a:prstGeom prst="rect">
             <a:avLst/>
@@ -15547,14 +15547,14 @@
 <p:tagLst xmlns:a="http://schemas.openxmlformats.org/drawingml/2006/main" xmlns:r="http://schemas.openxmlformats.org/officeDocument/2006/relationships" xmlns:p="http://schemas.openxmlformats.org/presentationml/2006/main">
   <p:tag name="OUTPUTDPI" val="1200"/>
   <p:tag name="ORIGINALHEIGHT" val="264.0369"/>
-  <p:tag name="ORIGINALWIDTH" val="1540.715"/>
-  <p:tag name="LATEXADDIN" val="\documentclass{article}&#10;\usepackage{amsmath}&#10;\pagestyle{empty}&#10;\begin{document}&#10;&#10;&#10;$\displaystyle f'(x)=\lim_{h\to 0}\dfrac{f(x+h)-f(x)}{h}$&#10;&#10;\end{document}"/>
+  <p:tag name="ORIGINALWIDTH" val="1541.465"/>
+  <p:tag name="LATEXADDIN" val="\documentclass{article}&#10;\usepackage{amsmath}&#10;\pagestyle{empty}&#10;\begin{document}&#10;&#10;&#10;$\displaystyle f'(x)=\lim_{h\to 0}\dfrac{f(x+h)-f(h)}{h}$&#10;&#10;\end{document}"/>
   <p:tag name="IGUANATEXSIZE" val="20"/>
-  <p:tag name="IGUANATEXCURSOR" val="133"/>
+  <p:tag name="IGUANATEXCURSOR" val="103"/>
   <p:tag name="TRANSPARENCY" val="True"/>
   <p:tag name="FILENAME" val=""/>
   <p:tag name="LATEXENGINEID" val="4"/>
-  <p:tag name="TEMPFOLDER" val="C:\temp\"/>
+  <p:tag name="TEMPFOLDER" val="c:\temp\"/>
   <p:tag name="LATEXFORMHEIGHT" val="312"/>
   <p:tag name="LATEXFORMWIDTH" val="384"/>
   <p:tag name="LATEXFORMWRAP" val="True"/>
@@ -15567,13 +15567,13 @@
   <p:tag name="OUTPUTDPI" val="1200"/>
   <p:tag name="ORIGINALHEIGHT" val="264.0369"/>
   <p:tag name="ORIGINALWIDTH" val="1313.433"/>
-  <p:tag name="LATEXADDIN" val="\documentclass{article}&#10;\usepackage{amsmath}&#10;\pagestyle{empty}&#10;\begin{document}&#10;&#10;&#10;$$\displaystyle f'(x)=\dfrac{f(x+h)-f(x)}{h}$$&#10;&#10;\end{document}"/>
+  <p:tag name="LATEXADDIN" val="\documentclass{article}&#10;\usepackage{amsmath}&#10;\pagestyle{empty}&#10;\begin{document}&#10;&#10;&#10;$$\displaystyle f'(x)=\dfrac{f(x+h)-f(h)}{h}$$&#10;&#10;\end{document}"/>
   <p:tag name="IGUANATEXSIZE" val="20"/>
-  <p:tag name="IGUANATEXCURSOR" val="121"/>
+  <p:tag name="IGUANATEXCURSOR" val="104"/>
   <p:tag name="TRANSPARENCY" val="True"/>
   <p:tag name="FILENAME" val=""/>
   <p:tag name="LATEXENGINEID" val="4"/>
-  <p:tag name="TEMPFOLDER" val="C:\temp\"/>
+  <p:tag name="TEMPFOLDER" val="c:\temp\"/>
   <p:tag name="LATEXFORMHEIGHT" val="312"/>
   <p:tag name="LATEXFORMWIDTH" val="384"/>
   <p:tag name="LATEXFORMWRAP" val="True"/>
@@ -15661,14 +15661,14 @@
 <p:tagLst xmlns:a="http://schemas.openxmlformats.org/drawingml/2006/main" xmlns:r="http://schemas.openxmlformats.org/officeDocument/2006/relationships" xmlns:p="http://schemas.openxmlformats.org/presentationml/2006/main">
   <p:tag name="OUTPUTDPI" val="1200"/>
   <p:tag name="ORIGINALHEIGHT" val="283.5396"/>
-  <p:tag name="ORIGINALWIDTH" val="1962.274"/>
-  <p:tag name="LATEXADDIN" val="\documentclass{article}&#10;\usepackage{amsmath}&#10;\pagestyle{empty}&#10;\begin{document}&#10;&#10;&#10;$\displaystyle\dfrac{\partial f}{\partial x_0}=\lim_{h\to 0}\dfrac{f(x_0+h,x_1)-f(x_0,x_1)}{h}$&#10;&#10;\end{document}"/>
+  <p:tag name="ORIGINALWIDTH" val="1906.766"/>
+  <p:tag name="LATEXADDIN" val="\documentclass{article}&#10;\usepackage{amsmath}&#10;\pagestyle{empty}&#10;\begin{document}&#10;&#10;&#10;$\displaystyle\dfrac{\partial f}{\partial x_0}=\lim_{h\to 0}\dfrac{f(x_0+h,x_1)-f(h,x_1)}{h}$&#10;&#10;\end{document}"/>
   <p:tag name="IGUANATEXSIZE" val="20"/>
-  <p:tag name="IGUANATEXCURSOR" val="167"/>
+  <p:tag name="IGUANATEXCURSOR" val="154"/>
   <p:tag name="TRANSPARENCY" val="True"/>
   <p:tag name="FILENAME" val=""/>
   <p:tag name="LATEXENGINEID" val="4"/>
-  <p:tag name="TEMPFOLDER" val="C:\temp\"/>
+  <p:tag name="TEMPFOLDER" val="c:\temp\"/>
   <p:tag name="LATEXFORMHEIGHT" val="312"/>
   <p:tag name="LATEXFORMWIDTH" val="384"/>
   <p:tag name="LATEXFORMWRAP" val="True"/>
@@ -15680,14 +15680,14 @@
 <p:tagLst xmlns:a="http://schemas.openxmlformats.org/drawingml/2006/main" xmlns:r="http://schemas.openxmlformats.org/officeDocument/2006/relationships" xmlns:p="http://schemas.openxmlformats.org/presentationml/2006/main">
   <p:tag name="OUTPUTDPI" val="1200"/>
   <p:tag name="ORIGINALHEIGHT" val="281.2893"/>
-  <p:tag name="ORIGINALWIDTH" val="1962.274"/>
-  <p:tag name="LATEXADDIN" val="\documentclass{article}&#10;\usepackage{amsmath}&#10;\pagestyle{empty}&#10;\begin{document}&#10;&#10;&#10;$\displaystyle\dfrac{\partial f}{\partial x_1}=\lim_{h\to 0}\dfrac{f(x_0,x_1+h)-f(x_0,x_1)}{h}$&#10;&#10;\end{document}"/>
+  <p:tag name="ORIGINALWIDTH" val="1906.766"/>
+  <p:tag name="LATEXADDIN" val="\documentclass{article}&#10;\usepackage{amsmath}&#10;\pagestyle{empty}&#10;\begin{document}&#10;&#10;&#10;$\displaystyle\dfrac{\partial f}{\partial x_1}=\lim_{h\to 0}\dfrac{f(x_0,x_1+h)-f(x_0,h)}{h}$&#10;&#10;\end{document}"/>
   <p:tag name="IGUANATEXSIZE" val="20"/>
-  <p:tag name="IGUANATEXCURSOR" val="171"/>
+  <p:tag name="IGUANATEXCURSOR" val="127"/>
   <p:tag name="TRANSPARENCY" val="True"/>
   <p:tag name="FILENAME" val=""/>
   <p:tag name="LATEXENGINEID" val="4"/>
-  <p:tag name="TEMPFOLDER" val="C:\temp\"/>
+  <p:tag name="TEMPFOLDER" val="c:\temp\"/>
   <p:tag name="LATEXFORMHEIGHT" val="312"/>
   <p:tag name="LATEXFORMWIDTH" val="384"/>
   <p:tag name="LATEXFORMWRAP" val="True"/>
@@ -15908,14 +15908,14 @@
 <p:tagLst xmlns:a="http://schemas.openxmlformats.org/drawingml/2006/main" xmlns:r="http://schemas.openxmlformats.org/officeDocument/2006/relationships" xmlns:p="http://schemas.openxmlformats.org/presentationml/2006/main">
   <p:tag name="OUTPUTDPI" val="1200"/>
   <p:tag name="ORIGINALHEIGHT" val="124.5174"/>
-  <p:tag name="ORIGINALWIDTH" val="709.5991"/>
-  <p:tag name="LATEXADDIN" val="\documentclass{article}&#10;\usepackage{amsmath}&#10;\pagestyle{empty}&#10;\begin{document}&#10;&#10;&#10;$E=-\log(t_i)$&#10;&#10;\end{document}"/>
+  <p:tag name="ORIGINALWIDTH" val="591.8326"/>
+  <p:tag name="LATEXADDIN" val="\documentclass{article}&#10;\usepackage{amsmath}&#10;\pagestyle{empty}&#10;\begin{document}&#10;&#10;&#10;$E=\log(t_i)$&#10;&#10;\end{document}"/>
   <p:tag name="IGUANATEXSIZE" val="20"/>
-  <p:tag name="IGUANATEXCURSOR" val="86"/>
+  <p:tag name="IGUANATEXCURSOR" val="83"/>
   <p:tag name="TRANSPARENCY" val="True"/>
   <p:tag name="FILENAME" val=""/>
   <p:tag name="LATEXENGINEID" val="4"/>
-  <p:tag name="TEMPFOLDER" val="C:\temp\"/>
+  <p:tag name="TEMPFOLDER" val="c:\temp\"/>
   <p:tag name="LATEXFORMHEIGHT" val="312"/>
   <p:tag name="LATEXFORMWIDTH" val="384"/>
   <p:tag name="LATEXFORMWRAP" val="True"/>
